--- a/intro to database.pptx
+++ b/intro to database.pptx
@@ -5,7 +5,7 @@
     <p:sldMasterId id="2147483670" r:id="rId1"/>
   </p:sldMasterIdLst>
   <p:notesMasterIdLst>
-    <p:notesMasterId r:id="rId17"/>
+    <p:notesMasterId r:id="rId16"/>
   </p:notesMasterIdLst>
   <p:sldIdLst>
     <p:sldId id="256" r:id="rId2"/>
@@ -14,27 +14,24 @@
     <p:sldId id="258" r:id="rId5"/>
     <p:sldId id="259" r:id="rId6"/>
     <p:sldId id="257" r:id="rId7"/>
-    <p:sldId id="314" r:id="rId8"/>
-    <p:sldId id="308" r:id="rId9"/>
-    <p:sldId id="309" r:id="rId10"/>
-    <p:sldId id="262" r:id="rId11"/>
-    <p:sldId id="310" r:id="rId12"/>
-    <p:sldId id="311" r:id="rId13"/>
-    <p:sldId id="312" r:id="rId14"/>
-    <p:sldId id="313" r:id="rId15"/>
-    <p:sldId id="316" r:id="rId16"/>
+    <p:sldId id="308" r:id="rId8"/>
+    <p:sldId id="309" r:id="rId9"/>
+    <p:sldId id="262" r:id="rId10"/>
+    <p:sldId id="310" r:id="rId11"/>
+    <p:sldId id="311" r:id="rId12"/>
+    <p:sldId id="312" r:id="rId13"/>
+    <p:sldId id="313" r:id="rId14"/>
+    <p:sldId id="316" r:id="rId15"/>
   </p:sldIdLst>
   <p:sldSz cx="9144000" cy="5143500" type="screen16x9"/>
   <p:notesSz cx="6858000" cy="9144000"/>
   <p:embeddedFontLst>
     <p:embeddedFont>
-      <p:font typeface="Raleway Thin" panose="020B0604020202020204" charset="0"/>
+      <p:font typeface="Raleway" panose="020B0604020202020204" charset="0"/>
+      <p:regular r:id="rId17"/>
       <p:bold r:id="rId18"/>
-      <p:boldItalic r:id="rId19"/>
-    </p:embeddedFont>
-    <p:embeddedFont>
-      <p:font typeface="Bebas Neue" panose="020B0604020202020204" charset="0"/>
-      <p:regular r:id="rId20"/>
+      <p:italic r:id="rId19"/>
+      <p:boldItalic r:id="rId20"/>
     </p:embeddedFont>
     <p:embeddedFont>
       <p:font typeface="Tajawal" panose="020B0604020202020204" charset="-78"/>
@@ -42,11 +39,13 @@
       <p:bold r:id="rId22"/>
     </p:embeddedFont>
     <p:embeddedFont>
-      <p:font typeface="Raleway" panose="020B0604020202020204" charset="0"/>
+      <p:font typeface="Bebas Neue" panose="020B0604020202020204" charset="0"/>
       <p:regular r:id="rId23"/>
+    </p:embeddedFont>
+    <p:embeddedFont>
+      <p:font typeface="Raleway Thin" panose="020B0604020202020204" charset="0"/>
       <p:bold r:id="rId24"/>
-      <p:italic r:id="rId25"/>
-      <p:boldItalic r:id="rId26"/>
+      <p:boldItalic r:id="rId25"/>
     </p:embeddedFont>
   </p:embeddedFontLst>
   <p:defaultTextStyle>
@@ -940,7 +939,7 @@
     </p:spTree>
     <p:extLst>
       <p:ext uri="{BB962C8B-B14F-4D97-AF65-F5344CB8AC3E}">
-        <p14:creationId xmlns:p14="http://schemas.microsoft.com/office/powerpoint/2010/main" val="3634001198"/>
+        <p14:creationId xmlns:p14="http://schemas.microsoft.com/office/powerpoint/2010/main" val="1213455871"/>
       </p:ext>
     </p:extLst>
   </p:cSld>
@@ -1049,7 +1048,7 @@
     </p:spTree>
     <p:extLst>
       <p:ext uri="{BB962C8B-B14F-4D97-AF65-F5344CB8AC3E}">
-        <p14:creationId xmlns:p14="http://schemas.microsoft.com/office/powerpoint/2010/main" val="1213455871"/>
+        <p14:creationId xmlns:p14="http://schemas.microsoft.com/office/powerpoint/2010/main" val="1506691006"/>
       </p:ext>
     </p:extLst>
   </p:cSld>
@@ -1158,7 +1157,7 @@
     </p:spTree>
     <p:extLst>
       <p:ext uri="{BB962C8B-B14F-4D97-AF65-F5344CB8AC3E}">
-        <p14:creationId xmlns:p14="http://schemas.microsoft.com/office/powerpoint/2010/main" val="1506691006"/>
+        <p14:creationId xmlns:p14="http://schemas.microsoft.com/office/powerpoint/2010/main" val="1087897159"/>
       </p:ext>
     </p:extLst>
   </p:cSld>
@@ -1169,115 +1168,6 @@
 </file>
 
 <file path=ppt/notesSlides/notesSlide13.xml><?xml version="1.0" encoding="utf-8"?>
-<p:notes xmlns:a="http://schemas.openxmlformats.org/drawingml/2006/main" xmlns:r="http://schemas.openxmlformats.org/officeDocument/2006/relationships" xmlns:p="http://schemas.openxmlformats.org/presentationml/2006/main" showMasterSp="0" showMasterPhAnim="0">
-  <p:cSld>
-    <p:spTree>
-      <p:nvGrpSpPr>
-        <p:cNvPr id="1" name="Shape 489"/>
-        <p:cNvGrpSpPr/>
-        <p:nvPr/>
-      </p:nvGrpSpPr>
-      <p:grpSpPr>
-        <a:xfrm>
-          <a:off x="0" y="0"/>
-          <a:ext cx="0" cy="0"/>
-          <a:chOff x="0" y="0"/>
-          <a:chExt cx="0" cy="0"/>
-        </a:xfrm>
-      </p:grpSpPr>
-      <p:sp>
-        <p:nvSpPr>
-          <p:cNvPr id="490" name="Google Shape;490;gb17130de75_0_155:notes"/>
-          <p:cNvSpPr>
-            <a:spLocks noGrp="1" noRot="1" noChangeAspect="1"/>
-          </p:cNvSpPr>
-          <p:nvPr>
-            <p:ph type="sldImg" idx="2"/>
-          </p:nvPr>
-        </p:nvSpPr>
-        <p:spPr>
-          <a:xfrm>
-            <a:off x="381000" y="685800"/>
-            <a:ext cx="6096000" cy="3429000"/>
-          </a:xfrm>
-          <a:custGeom>
-            <a:avLst/>
-            <a:gdLst/>
-            <a:ahLst/>
-            <a:cxnLst/>
-            <a:rect l="l" t="t" r="r" b="b"/>
-            <a:pathLst>
-              <a:path w="120000" h="120000" extrusionOk="0">
-                <a:moveTo>
-                  <a:pt x="0" y="0"/>
-                </a:moveTo>
-                <a:lnTo>
-                  <a:pt x="120000" y="0"/>
-                </a:lnTo>
-                <a:lnTo>
-                  <a:pt x="120000" y="120000"/>
-                </a:lnTo>
-                <a:lnTo>
-                  <a:pt x="0" y="120000"/>
-                </a:lnTo>
-                <a:close/>
-              </a:path>
-            </a:pathLst>
-          </a:custGeom>
-        </p:spPr>
-      </p:sp>
-      <p:sp>
-        <p:nvSpPr>
-          <p:cNvPr id="491" name="Google Shape;491;gb17130de75_0_155:notes"/>
-          <p:cNvSpPr txBox="1">
-            <a:spLocks noGrp="1"/>
-          </p:cNvSpPr>
-          <p:nvPr>
-            <p:ph type="body" idx="1"/>
-          </p:nvPr>
-        </p:nvSpPr>
-        <p:spPr>
-          <a:xfrm>
-            <a:off x="685800" y="4343400"/>
-            <a:ext cx="5486400" cy="4114800"/>
-          </a:xfrm>
-          <a:prstGeom prst="rect">
-            <a:avLst/>
-          </a:prstGeom>
-        </p:spPr>
-        <p:txBody>
-          <a:bodyPr spcFirstLastPara="1" wrap="square" lIns="91425" tIns="91425" rIns="91425" bIns="91425" anchor="t" anchorCtr="0">
-            <a:noAutofit/>
-          </a:bodyPr>
-          <a:lstStyle/>
-          <a:p>
-            <a:pPr marL="0" lvl="0" indent="0" algn="l" rtl="0">
-              <a:spcBef>
-                <a:spcPts val="0"/>
-              </a:spcBef>
-              <a:spcAft>
-                <a:spcPts val="0"/>
-              </a:spcAft>
-              <a:buNone/>
-            </a:pPr>
-            <a:endParaRPr/>
-          </a:p>
-        </p:txBody>
-      </p:sp>
-    </p:spTree>
-    <p:extLst>
-      <p:ext uri="{BB962C8B-B14F-4D97-AF65-F5344CB8AC3E}">
-        <p14:creationId xmlns:p14="http://schemas.microsoft.com/office/powerpoint/2010/main" val="1087897159"/>
-      </p:ext>
-    </p:extLst>
-  </p:cSld>
-  <p:clrMapOvr>
-    <a:masterClrMapping/>
-  </p:clrMapOvr>
-</p:notes>
-</file>
-
-<file path=ppt/notesSlides/notesSlide14.xml><?xml version="1.0" encoding="utf-8"?>
 <p:notes xmlns:a="http://schemas.openxmlformats.org/drawingml/2006/main" xmlns:r="http://schemas.openxmlformats.org/officeDocument/2006/relationships" xmlns:p="http://schemas.openxmlformats.org/presentationml/2006/main" showMasterSp="0" showMasterPhAnim="0">
   <p:cSld>
     <p:spTree>
@@ -1386,7 +1276,7 @@
 </p:notes>
 </file>
 
-<file path=ppt/notesSlides/notesSlide15.xml><?xml version="1.0" encoding="utf-8"?>
+<file path=ppt/notesSlides/notesSlide14.xml><?xml version="1.0" encoding="utf-8"?>
 <p:notes xmlns:a="http://schemas.openxmlformats.org/drawingml/2006/main" xmlns:r="http://schemas.openxmlformats.org/officeDocument/2006/relationships" xmlns:p="http://schemas.openxmlformats.org/presentationml/2006/main" showMasterSp="0" showMasterPhAnim="0">
   <p:cSld>
     <p:spTree>
@@ -2045,7 +1935,7 @@
   <p:cSld>
     <p:spTree>
       <p:nvGrpSpPr>
-        <p:cNvPr id="1" name="Shape 1265"/>
+        <p:cNvPr id="1" name="Shape 664"/>
         <p:cNvGrpSpPr/>
         <p:nvPr/>
       </p:nvGrpSpPr>
@@ -2059,7 +1949,7 @@
       </p:grpSpPr>
       <p:sp>
         <p:nvSpPr>
-          <p:cNvPr id="1266" name="Google Shape;1266;gb17130de75_0_890:notes"/>
+          <p:cNvPr id="665" name="Google Shape;665;gb17130de75_0_188:notes"/>
           <p:cNvSpPr>
             <a:spLocks noGrp="1" noRot="1" noChangeAspect="1"/>
           </p:cNvSpPr>
@@ -2100,115 +1990,6 @@
       </p:sp>
       <p:sp>
         <p:nvSpPr>
-          <p:cNvPr id="1267" name="Google Shape;1267;gb17130de75_0_890:notes"/>
-          <p:cNvSpPr txBox="1">
-            <a:spLocks noGrp="1"/>
-          </p:cNvSpPr>
-          <p:nvPr>
-            <p:ph type="body" idx="1"/>
-          </p:nvPr>
-        </p:nvSpPr>
-        <p:spPr>
-          <a:xfrm>
-            <a:off x="685800" y="4343400"/>
-            <a:ext cx="5486400" cy="4114800"/>
-          </a:xfrm>
-          <a:prstGeom prst="rect">
-            <a:avLst/>
-          </a:prstGeom>
-        </p:spPr>
-        <p:txBody>
-          <a:bodyPr spcFirstLastPara="1" wrap="square" lIns="91425" tIns="91425" rIns="91425" bIns="91425" anchor="t" anchorCtr="0">
-            <a:noAutofit/>
-          </a:bodyPr>
-          <a:lstStyle/>
-          <a:p>
-            <a:pPr marL="0" lvl="0" indent="0" algn="l" rtl="0">
-              <a:spcBef>
-                <a:spcPts val="0"/>
-              </a:spcBef>
-              <a:spcAft>
-                <a:spcPts val="0"/>
-              </a:spcAft>
-              <a:buNone/>
-            </a:pPr>
-            <a:endParaRPr/>
-          </a:p>
-        </p:txBody>
-      </p:sp>
-    </p:spTree>
-    <p:extLst>
-      <p:ext uri="{BB962C8B-B14F-4D97-AF65-F5344CB8AC3E}">
-        <p14:creationId xmlns:p14="http://schemas.microsoft.com/office/powerpoint/2010/main" val="475802838"/>
-      </p:ext>
-    </p:extLst>
-  </p:cSld>
-  <p:clrMapOvr>
-    <a:masterClrMapping/>
-  </p:clrMapOvr>
-</p:notes>
-</file>
-
-<file path=ppt/notesSlides/notesSlide8.xml><?xml version="1.0" encoding="utf-8"?>
-<p:notes xmlns:a="http://schemas.openxmlformats.org/drawingml/2006/main" xmlns:r="http://schemas.openxmlformats.org/officeDocument/2006/relationships" xmlns:p="http://schemas.openxmlformats.org/presentationml/2006/main" showMasterSp="0" showMasterPhAnim="0">
-  <p:cSld>
-    <p:spTree>
-      <p:nvGrpSpPr>
-        <p:cNvPr id="1" name="Shape 664"/>
-        <p:cNvGrpSpPr/>
-        <p:nvPr/>
-      </p:nvGrpSpPr>
-      <p:grpSpPr>
-        <a:xfrm>
-          <a:off x="0" y="0"/>
-          <a:ext cx="0" cy="0"/>
-          <a:chOff x="0" y="0"/>
-          <a:chExt cx="0" cy="0"/>
-        </a:xfrm>
-      </p:grpSpPr>
-      <p:sp>
-        <p:nvSpPr>
-          <p:cNvPr id="665" name="Google Shape;665;gb17130de75_0_188:notes"/>
-          <p:cNvSpPr>
-            <a:spLocks noGrp="1" noRot="1" noChangeAspect="1"/>
-          </p:cNvSpPr>
-          <p:nvPr>
-            <p:ph type="sldImg" idx="2"/>
-          </p:nvPr>
-        </p:nvSpPr>
-        <p:spPr>
-          <a:xfrm>
-            <a:off x="381000" y="685800"/>
-            <a:ext cx="6096000" cy="3429000"/>
-          </a:xfrm>
-          <a:custGeom>
-            <a:avLst/>
-            <a:gdLst/>
-            <a:ahLst/>
-            <a:cxnLst/>
-            <a:rect l="l" t="t" r="r" b="b"/>
-            <a:pathLst>
-              <a:path w="120000" h="120000" extrusionOk="0">
-                <a:moveTo>
-                  <a:pt x="0" y="0"/>
-                </a:moveTo>
-                <a:lnTo>
-                  <a:pt x="120000" y="0"/>
-                </a:lnTo>
-                <a:lnTo>
-                  <a:pt x="120000" y="120000"/>
-                </a:lnTo>
-                <a:lnTo>
-                  <a:pt x="0" y="120000"/>
-                </a:lnTo>
-                <a:close/>
-              </a:path>
-            </a:pathLst>
-          </a:custGeom>
-        </p:spPr>
-      </p:sp>
-      <p:sp>
-        <p:nvSpPr>
           <p:cNvPr id="666" name="Google Shape;666;gb17130de75_0_188:notes"/>
           <p:cNvSpPr txBox="1">
             <a:spLocks noGrp="1"/>
@@ -2258,7 +2039,7 @@
 </p:notes>
 </file>
 
-<file path=ppt/notesSlides/notesSlide9.xml><?xml version="1.0" encoding="utf-8"?>
+<file path=ppt/notesSlides/notesSlide8.xml><?xml version="1.0" encoding="utf-8"?>
 <p:notes xmlns:a="http://schemas.openxmlformats.org/drawingml/2006/main" xmlns:r="http://schemas.openxmlformats.org/officeDocument/2006/relationships" xmlns:p="http://schemas.openxmlformats.org/presentationml/2006/main" showMasterSp="0" showMasterPhAnim="0">
   <p:cSld>
     <p:spTree>
@@ -2358,6 +2139,115 @@
     <p:extLst>
       <p:ext uri="{BB962C8B-B14F-4D97-AF65-F5344CB8AC3E}">
         <p14:creationId xmlns:p14="http://schemas.microsoft.com/office/powerpoint/2010/main" val="1829636333"/>
+      </p:ext>
+    </p:extLst>
+  </p:cSld>
+  <p:clrMapOvr>
+    <a:masterClrMapping/>
+  </p:clrMapOvr>
+</p:notes>
+</file>
+
+<file path=ppt/notesSlides/notesSlide9.xml><?xml version="1.0" encoding="utf-8"?>
+<p:notes xmlns:a="http://schemas.openxmlformats.org/drawingml/2006/main" xmlns:r="http://schemas.openxmlformats.org/officeDocument/2006/relationships" xmlns:p="http://schemas.openxmlformats.org/presentationml/2006/main" showMasterSp="0" showMasterPhAnim="0">
+  <p:cSld>
+    <p:spTree>
+      <p:nvGrpSpPr>
+        <p:cNvPr id="1" name="Shape 489"/>
+        <p:cNvGrpSpPr/>
+        <p:nvPr/>
+      </p:nvGrpSpPr>
+      <p:grpSpPr>
+        <a:xfrm>
+          <a:off x="0" y="0"/>
+          <a:ext cx="0" cy="0"/>
+          <a:chOff x="0" y="0"/>
+          <a:chExt cx="0" cy="0"/>
+        </a:xfrm>
+      </p:grpSpPr>
+      <p:sp>
+        <p:nvSpPr>
+          <p:cNvPr id="490" name="Google Shape;490;gb17130de75_0_155:notes"/>
+          <p:cNvSpPr>
+            <a:spLocks noGrp="1" noRot="1" noChangeAspect="1"/>
+          </p:cNvSpPr>
+          <p:nvPr>
+            <p:ph type="sldImg" idx="2"/>
+          </p:nvPr>
+        </p:nvSpPr>
+        <p:spPr>
+          <a:xfrm>
+            <a:off x="381000" y="685800"/>
+            <a:ext cx="6096000" cy="3429000"/>
+          </a:xfrm>
+          <a:custGeom>
+            <a:avLst/>
+            <a:gdLst/>
+            <a:ahLst/>
+            <a:cxnLst/>
+            <a:rect l="l" t="t" r="r" b="b"/>
+            <a:pathLst>
+              <a:path w="120000" h="120000" extrusionOk="0">
+                <a:moveTo>
+                  <a:pt x="0" y="0"/>
+                </a:moveTo>
+                <a:lnTo>
+                  <a:pt x="120000" y="0"/>
+                </a:lnTo>
+                <a:lnTo>
+                  <a:pt x="120000" y="120000"/>
+                </a:lnTo>
+                <a:lnTo>
+                  <a:pt x="0" y="120000"/>
+                </a:lnTo>
+                <a:close/>
+              </a:path>
+            </a:pathLst>
+          </a:custGeom>
+        </p:spPr>
+      </p:sp>
+      <p:sp>
+        <p:nvSpPr>
+          <p:cNvPr id="491" name="Google Shape;491;gb17130de75_0_155:notes"/>
+          <p:cNvSpPr txBox="1">
+            <a:spLocks noGrp="1"/>
+          </p:cNvSpPr>
+          <p:nvPr>
+            <p:ph type="body" idx="1"/>
+          </p:nvPr>
+        </p:nvSpPr>
+        <p:spPr>
+          <a:xfrm>
+            <a:off x="685800" y="4343400"/>
+            <a:ext cx="5486400" cy="4114800"/>
+          </a:xfrm>
+          <a:prstGeom prst="rect">
+            <a:avLst/>
+          </a:prstGeom>
+        </p:spPr>
+        <p:txBody>
+          <a:bodyPr spcFirstLastPara="1" wrap="square" lIns="91425" tIns="91425" rIns="91425" bIns="91425" anchor="t" anchorCtr="0">
+            <a:noAutofit/>
+          </a:bodyPr>
+          <a:lstStyle/>
+          <a:p>
+            <a:pPr marL="0" lvl="0" indent="0" algn="l" rtl="0">
+              <a:spcBef>
+                <a:spcPts val="0"/>
+              </a:spcBef>
+              <a:spcAft>
+                <a:spcPts val="0"/>
+              </a:spcAft>
+              <a:buNone/>
+            </a:pPr>
+            <a:endParaRPr/>
+          </a:p>
+        </p:txBody>
+      </p:sp>
+    </p:spTree>
+    <p:extLst>
+      <p:ext uri="{BB962C8B-B14F-4D97-AF65-F5344CB8AC3E}">
+        <p14:creationId xmlns:p14="http://schemas.microsoft.com/office/powerpoint/2010/main" val="3634001198"/>
       </p:ext>
     </p:extLst>
   </p:cSld>
@@ -13613,568 +13503,6 @@
       </p:grpSpPr>
       <p:pic>
         <p:nvPicPr>
-          <p:cNvPr id="2" name="Image 1"/>
-          <p:cNvPicPr>
-            <a:picLocks noChangeAspect="1"/>
-          </p:cNvPicPr>
-          <p:nvPr/>
-        </p:nvPicPr>
-        <p:blipFill>
-          <a:blip r:embed="rId3">
-            <a:lum bright="70000" contrast="-70000"/>
-          </a:blip>
-          <a:stretch>
-            <a:fillRect/>
-          </a:stretch>
-        </p:blipFill>
-        <p:spPr>
-          <a:xfrm>
-            <a:off x="2746735" y="1288928"/>
-            <a:ext cx="3800319" cy="2743960"/>
-          </a:xfrm>
-          <a:prstGeom prst="rect">
-            <a:avLst/>
-          </a:prstGeom>
-        </p:spPr>
-      </p:pic>
-      <p:sp>
-        <p:nvSpPr>
-          <p:cNvPr id="493" name="Google Shape;493;p31"/>
-          <p:cNvSpPr txBox="1">
-            <a:spLocks noGrp="1"/>
-          </p:cNvSpPr>
-          <p:nvPr>
-            <p:ph type="title"/>
-          </p:nvPr>
-        </p:nvSpPr>
-        <p:spPr>
-          <a:xfrm>
-            <a:off x="1114050" y="393425"/>
-            <a:ext cx="6915900" cy="572700"/>
-          </a:xfrm>
-          <a:prstGeom prst="rect">
-            <a:avLst/>
-          </a:prstGeom>
-        </p:spPr>
-        <p:txBody>
-          <a:bodyPr spcFirstLastPara="1" wrap="square" lIns="0" tIns="0" rIns="0" bIns="0" anchor="ctr" anchorCtr="0">
-            <a:noAutofit/>
-          </a:bodyPr>
-          <a:lstStyle/>
-          <a:p>
-            <a:pPr marL="0" lvl="0" indent="0" algn="l" rtl="0">
-              <a:spcBef>
-                <a:spcPts val="0"/>
-              </a:spcBef>
-              <a:spcAft>
-                <a:spcPts val="0"/>
-              </a:spcAft>
-              <a:buNone/>
-            </a:pPr>
-            <a:r>
-              <a:rPr lang="en" dirty="0" smtClean="0"/>
-              <a:t>SQL Server</a:t>
-            </a:r>
-            <a:endParaRPr dirty="0"/>
-          </a:p>
-        </p:txBody>
-      </p:sp>
-      <p:sp>
-        <p:nvSpPr>
-          <p:cNvPr id="494" name="Google Shape;494;p31"/>
-          <p:cNvSpPr txBox="1">
-            <a:spLocks noGrp="1"/>
-          </p:cNvSpPr>
-          <p:nvPr>
-            <p:ph type="subTitle" idx="1"/>
-          </p:nvPr>
-        </p:nvSpPr>
-        <p:spPr>
-          <a:xfrm>
-            <a:off x="1569795" y="1551913"/>
-            <a:ext cx="6154200" cy="2603700"/>
-          </a:xfrm>
-          <a:prstGeom prst="rect">
-            <a:avLst/>
-          </a:prstGeom>
-        </p:spPr>
-        <p:txBody>
-          <a:bodyPr spcFirstLastPara="1" wrap="square" lIns="0" tIns="0" rIns="0" bIns="0" anchor="ctr" anchorCtr="0">
-            <a:noAutofit/>
-          </a:bodyPr>
-          <a:lstStyle/>
-          <a:p>
-            <a:pPr algn="just">
-              <a:lnSpc>
-                <a:spcPct val="150000"/>
-              </a:lnSpc>
-            </a:pPr>
-            <a:r>
-              <a:rPr lang="fr-FR" sz="1400" dirty="0">
-                <a:latin typeface="Tajawal" panose="020B0604020202020204" charset="-78"/>
-                <a:cs typeface="Tajawal" panose="020B0604020202020204" charset="-78"/>
-              </a:rPr>
-              <a:t>Microsoft SQL Server est un système de gestion de base de données (SGBD) en langage SQL incorporant entre autres un SGBDR (SGBD relationnel) développé et commercialisé par la société Microsoft.</a:t>
-            </a:r>
-          </a:p>
-          <a:p>
-            <a:pPr algn="just">
-              <a:lnSpc>
-                <a:spcPct val="150000"/>
-              </a:lnSpc>
-            </a:pPr>
-            <a:r>
-              <a:rPr lang="fr-FR" sz="1400" dirty="0">
-                <a:latin typeface="Tajawal" panose="020B0604020202020204" charset="-78"/>
-                <a:cs typeface="Tajawal" panose="020B0604020202020204" charset="-78"/>
-              </a:rPr>
-              <a:t>Il fonctionne sous les OS Windows et Linux (depuis mars 2016), mais il est possible de le lancer sur </a:t>
-            </a:r>
-            <a:r>
-              <a:rPr lang="fr-FR" sz="1400" dirty="0" err="1">
-                <a:latin typeface="Tajawal" panose="020B0604020202020204" charset="-78"/>
-                <a:cs typeface="Tajawal" panose="020B0604020202020204" charset="-78"/>
-              </a:rPr>
-              <a:t>macOS</a:t>
-            </a:r>
-            <a:r>
-              <a:rPr lang="fr-FR" sz="1400" dirty="0">
-                <a:latin typeface="Tajawal" panose="020B0604020202020204" charset="-78"/>
-                <a:cs typeface="Tajawal" panose="020B0604020202020204" charset="-78"/>
-              </a:rPr>
-              <a:t> via Docker, car il en existe une version en téléchargement sur le site de Microsoft.</a:t>
-            </a:r>
-          </a:p>
-          <a:p>
-            <a:pPr algn="just">
-              <a:lnSpc>
-                <a:spcPct val="150000"/>
-              </a:lnSpc>
-            </a:pPr>
-            <a:r>
-              <a:rPr lang="fr-FR" sz="1400" dirty="0">
-                <a:latin typeface="Tajawal" panose="020B0604020202020204" charset="-78"/>
-                <a:cs typeface="Tajawal" panose="020B0604020202020204" charset="-78"/>
-              </a:rPr>
-              <a:t>SQL Server Express est une version d’entrée de gamme gratuite de la base de données, idéale pour l’apprentissage, ainsi que pour la création d’applications de bureau et de petits serveurs jusqu’à 10 Go de données.</a:t>
-            </a:r>
-          </a:p>
-        </p:txBody>
-      </p:sp>
-      <p:pic>
-        <p:nvPicPr>
-          <p:cNvPr id="495" name="Google Shape;495;p31">
-            <a:hlinkClick r:id="" action="ppaction://noaction"/>
-          </p:cNvPr>
-          <p:cNvPicPr preferRelativeResize="0"/>
-          <p:nvPr/>
-        </p:nvPicPr>
-        <p:blipFill rotWithShape="1">
-          <a:blip r:embed="rId4">
-            <a:alphaModFix/>
-          </a:blip>
-          <a:srcRect t="465" b="475"/>
-          <a:stretch/>
-        </p:blipFill>
-        <p:spPr>
-          <a:xfrm>
-            <a:off x="8446575" y="550350"/>
-            <a:ext cx="265550" cy="258850"/>
-          </a:xfrm>
-          <a:prstGeom prst="rect">
-            <a:avLst/>
-          </a:prstGeom>
-          <a:noFill/>
-          <a:ln>
-            <a:noFill/>
-          </a:ln>
-        </p:spPr>
-      </p:pic>
-      <p:pic>
-        <p:nvPicPr>
-          <p:cNvPr id="496" name="Google Shape;496;p31">
-            <a:hlinkClick r:id="rId5" action="ppaction://hlinksldjump"/>
-          </p:cNvPr>
-          <p:cNvPicPr preferRelativeResize="0"/>
-          <p:nvPr/>
-        </p:nvPicPr>
-        <p:blipFill rotWithShape="1">
-          <a:blip r:embed="rId6">
-            <a:alphaModFix/>
-          </a:blip>
-          <a:srcRect t="941" b="941"/>
-          <a:stretch/>
-        </p:blipFill>
-        <p:spPr>
-          <a:xfrm>
-            <a:off x="237300" y="550513"/>
-            <a:ext cx="294878" cy="230099"/>
-          </a:xfrm>
-          <a:prstGeom prst="rect">
-            <a:avLst/>
-          </a:prstGeom>
-          <a:noFill/>
-          <a:ln>
-            <a:noFill/>
-          </a:ln>
-        </p:spPr>
-      </p:pic>
-      <p:pic>
-        <p:nvPicPr>
-          <p:cNvPr id="497" name="Google Shape;497;p31">
-            <a:hlinkClick r:id="" action="ppaction://hlinkshowjump?jump=previousslide"/>
-          </p:cNvPr>
-          <p:cNvPicPr preferRelativeResize="0"/>
-          <p:nvPr/>
-        </p:nvPicPr>
-        <p:blipFill>
-          <a:blip r:embed="rId7">
-            <a:alphaModFix/>
-          </a:blip>
-          <a:stretch>
-            <a:fillRect/>
-          </a:stretch>
-        </p:blipFill>
-        <p:spPr>
-          <a:xfrm>
-            <a:off x="237301" y="1181549"/>
-            <a:ext cx="294875" cy="307964"/>
-          </a:xfrm>
-          <a:prstGeom prst="rect">
-            <a:avLst/>
-          </a:prstGeom>
-          <a:noFill/>
-          <a:ln>
-            <a:noFill/>
-          </a:ln>
-        </p:spPr>
-      </p:pic>
-      <p:pic>
-        <p:nvPicPr>
-          <p:cNvPr id="498" name="Google Shape;498;p31">
-            <a:hlinkClick r:id="" action="ppaction://hlinkshowjump?jump=nextslide"/>
-          </p:cNvPr>
-          <p:cNvPicPr preferRelativeResize="0"/>
-          <p:nvPr/>
-        </p:nvPicPr>
-        <p:blipFill>
-          <a:blip r:embed="rId7">
-            <a:alphaModFix/>
-          </a:blip>
-          <a:stretch>
-            <a:fillRect/>
-          </a:stretch>
-        </p:blipFill>
-        <p:spPr>
-          <a:xfrm flipH="1">
-            <a:off x="237301" y="3724924"/>
-            <a:ext cx="294875" cy="307964"/>
-          </a:xfrm>
-          <a:prstGeom prst="rect">
-            <a:avLst/>
-          </a:prstGeom>
-          <a:noFill/>
-          <a:ln>
-            <a:noFill/>
-          </a:ln>
-        </p:spPr>
-      </p:pic>
-      <p:pic>
-        <p:nvPicPr>
-          <p:cNvPr id="499" name="Google Shape;499;p31">
-            <a:hlinkClick r:id="" action="ppaction://noaction"/>
-          </p:cNvPr>
-          <p:cNvPicPr preferRelativeResize="0"/>
-          <p:nvPr/>
-        </p:nvPicPr>
-        <p:blipFill rotWithShape="1">
-          <a:blip r:embed="rId8">
-            <a:alphaModFix/>
-          </a:blip>
-          <a:srcRect l="396" r="396"/>
-          <a:stretch/>
-        </p:blipFill>
-        <p:spPr>
-          <a:xfrm>
-            <a:off x="228050" y="4350525"/>
-            <a:ext cx="302603" cy="307950"/>
-          </a:xfrm>
-          <a:prstGeom prst="rect">
-            <a:avLst/>
-          </a:prstGeom>
-          <a:noFill/>
-          <a:ln>
-            <a:noFill/>
-          </a:ln>
-        </p:spPr>
-      </p:pic>
-      <p:sp>
-        <p:nvSpPr>
-          <p:cNvPr id="500" name="Google Shape;500;p31">
-            <a:hlinkClick r:id="rId9" action="ppaction://hlinksldjump"/>
-          </p:cNvPr>
-          <p:cNvSpPr/>
-          <p:nvPr/>
-        </p:nvSpPr>
-        <p:spPr>
-          <a:xfrm>
-            <a:off x="125400" y="1714388"/>
-            <a:ext cx="507900" cy="230100"/>
-          </a:xfrm>
-          <a:prstGeom prst="rect">
-            <a:avLst/>
-          </a:prstGeom>
-          <a:noFill/>
-          <a:ln>
-            <a:noFill/>
-          </a:ln>
-        </p:spPr>
-        <p:txBody>
-          <a:bodyPr spcFirstLastPara="1" wrap="square" lIns="0" tIns="91425" rIns="0" bIns="91425" anchor="ctr" anchorCtr="0">
-            <a:noAutofit/>
-          </a:bodyPr>
-          <a:lstStyle/>
-          <a:p>
-            <a:pPr marL="0" lvl="0" indent="0" algn="ctr" rtl="0">
-              <a:spcBef>
-                <a:spcPts val="0"/>
-              </a:spcBef>
-              <a:spcAft>
-                <a:spcPts val="0"/>
-              </a:spcAft>
-              <a:buNone/>
-            </a:pPr>
-            <a:r>
-              <a:rPr lang="en" sz="1800" b="1">
-                <a:solidFill>
-                  <a:schemeClr val="dk1"/>
-                </a:solidFill>
-                <a:latin typeface="Raleway"/>
-                <a:ea typeface="Raleway"/>
-                <a:cs typeface="Raleway"/>
-                <a:sym typeface="Raleway"/>
-              </a:rPr>
-              <a:t>01</a:t>
-            </a:r>
-            <a:endParaRPr sz="1800" b="1">
-              <a:solidFill>
-                <a:schemeClr val="dk1"/>
-              </a:solidFill>
-              <a:latin typeface="Raleway"/>
-              <a:ea typeface="Raleway"/>
-              <a:cs typeface="Raleway"/>
-              <a:sym typeface="Raleway"/>
-            </a:endParaRPr>
-          </a:p>
-        </p:txBody>
-      </p:sp>
-      <p:sp>
-        <p:nvSpPr>
-          <p:cNvPr id="501" name="Google Shape;501;p31">
-            <a:hlinkClick r:id="" action="ppaction://noaction"/>
-          </p:cNvPr>
-          <p:cNvSpPr/>
-          <p:nvPr/>
-        </p:nvSpPr>
-        <p:spPr>
-          <a:xfrm>
-            <a:off x="125400" y="2226163"/>
-            <a:ext cx="507900" cy="230100"/>
-          </a:xfrm>
-          <a:prstGeom prst="rect">
-            <a:avLst/>
-          </a:prstGeom>
-          <a:noFill/>
-          <a:ln>
-            <a:noFill/>
-          </a:ln>
-        </p:spPr>
-        <p:txBody>
-          <a:bodyPr spcFirstLastPara="1" wrap="square" lIns="0" tIns="91425" rIns="0" bIns="91425" anchor="ctr" anchorCtr="0">
-            <a:noAutofit/>
-          </a:bodyPr>
-          <a:lstStyle/>
-          <a:p>
-            <a:pPr marL="0" lvl="0" indent="0" algn="ctr" rtl="0">
-              <a:spcBef>
-                <a:spcPts val="0"/>
-              </a:spcBef>
-              <a:spcAft>
-                <a:spcPts val="0"/>
-              </a:spcAft>
-              <a:buNone/>
-            </a:pPr>
-            <a:r>
-              <a:rPr lang="en" sz="1800" b="1">
-                <a:solidFill>
-                  <a:schemeClr val="dk1"/>
-                </a:solidFill>
-                <a:latin typeface="Raleway"/>
-                <a:ea typeface="Raleway"/>
-                <a:cs typeface="Raleway"/>
-                <a:sym typeface="Raleway"/>
-              </a:rPr>
-              <a:t>02</a:t>
-            </a:r>
-            <a:endParaRPr sz="1800" b="1">
-              <a:solidFill>
-                <a:schemeClr val="dk1"/>
-              </a:solidFill>
-              <a:latin typeface="Raleway"/>
-              <a:ea typeface="Raleway"/>
-              <a:cs typeface="Raleway"/>
-              <a:sym typeface="Raleway"/>
-            </a:endParaRPr>
-          </a:p>
-        </p:txBody>
-      </p:sp>
-      <p:sp>
-        <p:nvSpPr>
-          <p:cNvPr id="502" name="Google Shape;502;p31">
-            <a:hlinkClick r:id="" action="ppaction://noaction"/>
-          </p:cNvPr>
-          <p:cNvSpPr/>
-          <p:nvPr/>
-        </p:nvSpPr>
-        <p:spPr>
-          <a:xfrm>
-            <a:off x="125400" y="2738713"/>
-            <a:ext cx="507900" cy="230100"/>
-          </a:xfrm>
-          <a:prstGeom prst="rect">
-            <a:avLst/>
-          </a:prstGeom>
-          <a:noFill/>
-          <a:ln>
-            <a:noFill/>
-          </a:ln>
-        </p:spPr>
-        <p:txBody>
-          <a:bodyPr spcFirstLastPara="1" wrap="square" lIns="0" tIns="91425" rIns="0" bIns="91425" anchor="ctr" anchorCtr="0">
-            <a:noAutofit/>
-          </a:bodyPr>
-          <a:lstStyle/>
-          <a:p>
-            <a:pPr marL="0" lvl="0" indent="0" algn="ctr" rtl="0">
-              <a:spcBef>
-                <a:spcPts val="0"/>
-              </a:spcBef>
-              <a:spcAft>
-                <a:spcPts val="0"/>
-              </a:spcAft>
-              <a:buNone/>
-            </a:pPr>
-            <a:r>
-              <a:rPr lang="en" sz="1800" b="1">
-                <a:solidFill>
-                  <a:schemeClr val="dk1"/>
-                </a:solidFill>
-                <a:latin typeface="Raleway"/>
-                <a:ea typeface="Raleway"/>
-                <a:cs typeface="Raleway"/>
-                <a:sym typeface="Raleway"/>
-              </a:rPr>
-              <a:t>03</a:t>
-            </a:r>
-            <a:endParaRPr sz="1800" b="1">
-              <a:solidFill>
-                <a:schemeClr val="dk1"/>
-              </a:solidFill>
-              <a:latin typeface="Raleway"/>
-              <a:ea typeface="Raleway"/>
-              <a:cs typeface="Raleway"/>
-              <a:sym typeface="Raleway"/>
-            </a:endParaRPr>
-          </a:p>
-        </p:txBody>
-      </p:sp>
-      <p:sp>
-        <p:nvSpPr>
-          <p:cNvPr id="503" name="Google Shape;503;p31">
-            <a:hlinkClick r:id="" action="ppaction://noaction"/>
-          </p:cNvPr>
-          <p:cNvSpPr/>
-          <p:nvPr/>
-        </p:nvSpPr>
-        <p:spPr>
-          <a:xfrm>
-            <a:off x="125400" y="3251288"/>
-            <a:ext cx="507900" cy="230100"/>
-          </a:xfrm>
-          <a:prstGeom prst="rect">
-            <a:avLst/>
-          </a:prstGeom>
-          <a:noFill/>
-          <a:ln>
-            <a:noFill/>
-          </a:ln>
-        </p:spPr>
-        <p:txBody>
-          <a:bodyPr spcFirstLastPara="1" wrap="square" lIns="0" tIns="91425" rIns="0" bIns="91425" anchor="ctr" anchorCtr="0">
-            <a:noAutofit/>
-          </a:bodyPr>
-          <a:lstStyle/>
-          <a:p>
-            <a:pPr marL="0" lvl="0" indent="0" algn="ctr" rtl="0">
-              <a:spcBef>
-                <a:spcPts val="0"/>
-              </a:spcBef>
-              <a:spcAft>
-                <a:spcPts val="0"/>
-              </a:spcAft>
-              <a:buNone/>
-            </a:pPr>
-            <a:r>
-              <a:rPr lang="en" sz="1800" b="1">
-                <a:solidFill>
-                  <a:schemeClr val="dk1"/>
-                </a:solidFill>
-                <a:latin typeface="Raleway"/>
-                <a:ea typeface="Raleway"/>
-                <a:cs typeface="Raleway"/>
-                <a:sym typeface="Raleway"/>
-              </a:rPr>
-              <a:t>04</a:t>
-            </a:r>
-            <a:endParaRPr sz="1800" b="1">
-              <a:solidFill>
-                <a:schemeClr val="dk1"/>
-              </a:solidFill>
-              <a:latin typeface="Raleway"/>
-              <a:ea typeface="Raleway"/>
-              <a:cs typeface="Raleway"/>
-              <a:sym typeface="Raleway"/>
-            </a:endParaRPr>
-          </a:p>
-        </p:txBody>
-      </p:sp>
-    </p:spTree>
-  </p:cSld>
-  <p:clrMapOvr>
-    <a:masterClrMapping/>
-  </p:clrMapOvr>
-</p:sld>
-</file>
-
-<file path=ppt/slides/slide11.xml><?xml version="1.0" encoding="utf-8"?>
-<p:sld xmlns:a="http://schemas.openxmlformats.org/drawingml/2006/main" xmlns:r="http://schemas.openxmlformats.org/officeDocument/2006/relationships" xmlns:p="http://schemas.openxmlformats.org/presentationml/2006/main">
-  <p:cSld>
-    <p:spTree>
-      <p:nvGrpSpPr>
-        <p:cNvPr id="1" name="Shape 492"/>
-        <p:cNvGrpSpPr/>
-        <p:nvPr/>
-      </p:nvGrpSpPr>
-      <p:grpSpPr>
-        <a:xfrm>
-          <a:off x="0" y="0"/>
-          <a:ext cx="0" cy="0"/>
-          <a:chOff x="0" y="0"/>
-          <a:chExt cx="0" cy="0"/>
-        </a:xfrm>
-      </p:grpSpPr>
-      <p:pic>
-        <p:nvPicPr>
           <p:cNvPr id="14" name="Picture 18" descr="PostgreSQL Logo transparent PNG - StickPNG"/>
           <p:cNvPicPr>
             <a:picLocks noChangeAspect="1" noChangeArrowheads="1"/>
@@ -14804,7 +14132,7 @@
 </p:sld>
 </file>
 
-<file path=ppt/slides/slide12.xml><?xml version="1.0" encoding="utf-8"?>
+<file path=ppt/slides/slide11.xml><?xml version="1.0" encoding="utf-8"?>
 <p:sld xmlns:a="http://schemas.openxmlformats.org/drawingml/2006/main" xmlns:r="http://schemas.openxmlformats.org/officeDocument/2006/relationships" xmlns:p="http://schemas.openxmlformats.org/presentationml/2006/main">
   <p:cSld>
     <p:spTree>
@@ -15373,7 +14701,7 @@
 </p:sld>
 </file>
 
-<file path=ppt/slides/slide13.xml><?xml version="1.0" encoding="utf-8"?>
+<file path=ppt/slides/slide12.xml><?xml version="1.0" encoding="utf-8"?>
 <p:sld xmlns:a="http://schemas.openxmlformats.org/drawingml/2006/main" xmlns:r="http://schemas.openxmlformats.org/officeDocument/2006/relationships" xmlns:p="http://schemas.openxmlformats.org/presentationml/2006/main">
   <p:cSld>
     <p:spTree>
@@ -15942,7 +15270,7 @@
 </p:sld>
 </file>
 
-<file path=ppt/slides/slide14.xml><?xml version="1.0" encoding="utf-8"?>
+<file path=ppt/slides/slide13.xml><?xml version="1.0" encoding="utf-8"?>
 <p:sld xmlns:a="http://schemas.openxmlformats.org/drawingml/2006/main" xmlns:r="http://schemas.openxmlformats.org/officeDocument/2006/relationships" xmlns:p="http://schemas.openxmlformats.org/presentationml/2006/main">
   <p:cSld>
     <p:spTree>
@@ -17934,7 +17262,7 @@
 </p:sld>
 </file>
 
-<file path=ppt/slides/slide15.xml><?xml version="1.0" encoding="utf-8"?>
+<file path=ppt/slides/slide14.xml><?xml version="1.0" encoding="utf-8"?>
 <p:sld xmlns:a="http://schemas.openxmlformats.org/drawingml/2006/main" xmlns:r="http://schemas.openxmlformats.org/officeDocument/2006/relationships" xmlns:p="http://schemas.openxmlformats.org/presentationml/2006/main">
   <p:cSld>
     <p:spTree>
@@ -26172,1385 +25500,6 @@
   <p:cSld>
     <p:spTree>
       <p:nvGrpSpPr>
-        <p:cNvPr id="1" name="Shape 1268"/>
-        <p:cNvGrpSpPr/>
-        <p:nvPr/>
-      </p:nvGrpSpPr>
-      <p:grpSpPr>
-        <a:xfrm>
-          <a:off x="0" y="0"/>
-          <a:ext cx="0" cy="0"/>
-          <a:chOff x="0" y="0"/>
-          <a:chExt cx="0" cy="0"/>
-        </a:xfrm>
-      </p:grpSpPr>
-      <p:sp>
-        <p:nvSpPr>
-          <p:cNvPr id="1269" name="Google Shape;1269;p48"/>
-          <p:cNvSpPr txBox="1">
-            <a:spLocks noGrp="1"/>
-          </p:cNvSpPr>
-          <p:nvPr>
-            <p:ph type="title"/>
-          </p:nvPr>
-        </p:nvSpPr>
-        <p:spPr>
-          <a:xfrm>
-            <a:off x="1114050" y="393425"/>
-            <a:ext cx="6915900" cy="572700"/>
-          </a:xfrm>
-          <a:prstGeom prst="rect">
-            <a:avLst/>
-          </a:prstGeom>
-        </p:spPr>
-        <p:txBody>
-          <a:bodyPr spcFirstLastPara="1" wrap="square" lIns="0" tIns="0" rIns="0" bIns="0" anchor="ctr" anchorCtr="0">
-            <a:noAutofit/>
-          </a:bodyPr>
-          <a:lstStyle/>
-          <a:p>
-            <a:pPr marL="0" lvl="0" indent="0" algn="l" rtl="0">
-              <a:spcBef>
-                <a:spcPts val="0"/>
-              </a:spcBef>
-              <a:spcAft>
-                <a:spcPts val="0"/>
-              </a:spcAft>
-              <a:buNone/>
-            </a:pPr>
-            <a:r>
-              <a:rPr lang="en"/>
-              <a:t>OUR SERVICES</a:t>
-            </a:r>
-            <a:endParaRPr/>
-          </a:p>
-        </p:txBody>
-      </p:sp>
-      <p:grpSp>
-        <p:nvGrpSpPr>
-          <p:cNvPr id="1270" name="Google Shape;1270;p48"/>
-          <p:cNvGrpSpPr/>
-          <p:nvPr/>
-        </p:nvGrpSpPr>
-        <p:grpSpPr>
-          <a:xfrm>
-            <a:off x="1114048" y="1339950"/>
-            <a:ext cx="3283292" cy="3056400"/>
-            <a:chOff x="1114048" y="1339950"/>
-            <a:chExt cx="2370990" cy="3056400"/>
-          </a:xfrm>
-        </p:grpSpPr>
-        <p:sp>
-          <p:nvSpPr>
-            <p:cNvPr id="1271" name="Google Shape;1271;p48"/>
-            <p:cNvSpPr/>
-            <p:nvPr/>
-          </p:nvSpPr>
-          <p:spPr>
-            <a:xfrm>
-              <a:off x="1114050" y="1796850"/>
-              <a:ext cx="2370900" cy="2599500"/>
-            </a:xfrm>
-            <a:prstGeom prst="rect">
-              <a:avLst/>
-            </a:prstGeom>
-            <a:solidFill>
-              <a:schemeClr val="lt2"/>
-            </a:solidFill>
-            <a:ln w="38100" cap="flat" cmpd="sng">
-              <a:solidFill>
-                <a:schemeClr val="dk1"/>
-              </a:solidFill>
-              <a:prstDash val="solid"/>
-              <a:round/>
-              <a:headEnd type="none" w="sm" len="sm"/>
-              <a:tailEnd type="none" w="sm" len="sm"/>
-            </a:ln>
-          </p:spPr>
-          <p:txBody>
-            <a:bodyPr spcFirstLastPara="1" wrap="square" lIns="91425" tIns="91425" rIns="91425" bIns="91425" anchor="ctr" anchorCtr="0">
-              <a:noAutofit/>
-            </a:bodyPr>
-            <a:lstStyle/>
-            <a:p>
-              <a:pPr marL="0" lvl="0" indent="0" algn="l" rtl="0">
-                <a:spcBef>
-                  <a:spcPts val="0"/>
-                </a:spcBef>
-                <a:spcAft>
-                  <a:spcPts val="0"/>
-                </a:spcAft>
-                <a:buNone/>
-              </a:pPr>
-              <a:endParaRPr/>
-            </a:p>
-          </p:txBody>
-        </p:sp>
-        <p:sp>
-          <p:nvSpPr>
-            <p:cNvPr id="1272" name="Google Shape;1272;p48"/>
-            <p:cNvSpPr/>
-            <p:nvPr/>
-          </p:nvSpPr>
-          <p:spPr>
-            <a:xfrm>
-              <a:off x="1114048" y="1339950"/>
-              <a:ext cx="2030524" cy="456900"/>
-            </a:xfrm>
-            <a:prstGeom prst="rect">
-              <a:avLst/>
-            </a:prstGeom>
-            <a:solidFill>
-              <a:schemeClr val="accent1"/>
-            </a:solidFill>
-            <a:ln w="38100" cap="flat" cmpd="sng">
-              <a:solidFill>
-                <a:schemeClr val="dk1"/>
-              </a:solidFill>
-              <a:prstDash val="solid"/>
-              <a:round/>
-              <a:headEnd type="none" w="sm" len="sm"/>
-              <a:tailEnd type="none" w="sm" len="sm"/>
-            </a:ln>
-          </p:spPr>
-          <p:txBody>
-            <a:bodyPr spcFirstLastPara="1" wrap="square" lIns="91425" tIns="91425" rIns="91425" bIns="91425" anchor="ctr" anchorCtr="0">
-              <a:noAutofit/>
-            </a:bodyPr>
-            <a:lstStyle/>
-            <a:p>
-              <a:pPr marL="0" lvl="0" indent="0" algn="l" rtl="0">
-                <a:spcBef>
-                  <a:spcPts val="0"/>
-                </a:spcBef>
-                <a:spcAft>
-                  <a:spcPts val="0"/>
-                </a:spcAft>
-                <a:buNone/>
-              </a:pPr>
-              <a:endParaRPr/>
-            </a:p>
-          </p:txBody>
-        </p:sp>
-        <p:sp>
-          <p:nvSpPr>
-            <p:cNvPr id="1273" name="Google Shape;1273;p48"/>
-            <p:cNvSpPr/>
-            <p:nvPr/>
-          </p:nvSpPr>
-          <p:spPr>
-            <a:xfrm>
-              <a:off x="3144660" y="1339950"/>
-              <a:ext cx="340378" cy="456900"/>
-            </a:xfrm>
-            <a:prstGeom prst="rect">
-              <a:avLst/>
-            </a:prstGeom>
-            <a:solidFill>
-              <a:schemeClr val="accent1"/>
-            </a:solidFill>
-            <a:ln w="38100" cap="flat" cmpd="sng">
-              <a:solidFill>
-                <a:schemeClr val="dk1"/>
-              </a:solidFill>
-              <a:prstDash val="solid"/>
-              <a:round/>
-              <a:headEnd type="none" w="sm" len="sm"/>
-              <a:tailEnd type="none" w="sm" len="sm"/>
-            </a:ln>
-          </p:spPr>
-          <p:txBody>
-            <a:bodyPr spcFirstLastPara="1" wrap="square" lIns="91425" tIns="91425" rIns="91425" bIns="91425" anchor="ctr" anchorCtr="0">
-              <a:noAutofit/>
-            </a:bodyPr>
-            <a:lstStyle/>
-            <a:p>
-              <a:pPr marL="0" lvl="0" indent="0" algn="l" rtl="0">
-                <a:spcBef>
-                  <a:spcPts val="0"/>
-                </a:spcBef>
-                <a:spcAft>
-                  <a:spcPts val="0"/>
-                </a:spcAft>
-                <a:buNone/>
-              </a:pPr>
-              <a:endParaRPr/>
-            </a:p>
-          </p:txBody>
-        </p:sp>
-      </p:grpSp>
-      <p:grpSp>
-        <p:nvGrpSpPr>
-          <p:cNvPr id="1278" name="Google Shape;1278;p48"/>
-          <p:cNvGrpSpPr/>
-          <p:nvPr/>
-        </p:nvGrpSpPr>
-        <p:grpSpPr>
-          <a:xfrm>
-            <a:off x="5219269" y="1339950"/>
-            <a:ext cx="3453666" cy="3056400"/>
-            <a:chOff x="6301947" y="1339950"/>
-            <a:chExt cx="2370990" cy="3056400"/>
-          </a:xfrm>
-        </p:grpSpPr>
-        <p:sp>
-          <p:nvSpPr>
-            <p:cNvPr id="1279" name="Google Shape;1279;p48"/>
-            <p:cNvSpPr/>
-            <p:nvPr/>
-          </p:nvSpPr>
-          <p:spPr>
-            <a:xfrm>
-              <a:off x="6301950" y="1796850"/>
-              <a:ext cx="2370900" cy="2599500"/>
-            </a:xfrm>
-            <a:prstGeom prst="rect">
-              <a:avLst/>
-            </a:prstGeom>
-            <a:solidFill>
-              <a:schemeClr val="lt2"/>
-            </a:solidFill>
-            <a:ln w="38100" cap="flat" cmpd="sng">
-              <a:solidFill>
-                <a:schemeClr val="dk1"/>
-              </a:solidFill>
-              <a:prstDash val="solid"/>
-              <a:round/>
-              <a:headEnd type="none" w="sm" len="sm"/>
-              <a:tailEnd type="none" w="sm" len="sm"/>
-            </a:ln>
-          </p:spPr>
-          <p:txBody>
-            <a:bodyPr spcFirstLastPara="1" wrap="square" lIns="91425" tIns="91425" rIns="91425" bIns="91425" anchor="ctr" anchorCtr="0">
-              <a:noAutofit/>
-            </a:bodyPr>
-            <a:lstStyle/>
-            <a:p>
-              <a:pPr marL="0" lvl="0" indent="0" algn="l" rtl="0">
-                <a:spcBef>
-                  <a:spcPts val="0"/>
-                </a:spcBef>
-                <a:spcAft>
-                  <a:spcPts val="0"/>
-                </a:spcAft>
-                <a:buNone/>
-              </a:pPr>
-              <a:endParaRPr/>
-            </a:p>
-          </p:txBody>
-        </p:sp>
-        <p:sp>
-          <p:nvSpPr>
-            <p:cNvPr id="1280" name="Google Shape;1280;p48"/>
-            <p:cNvSpPr/>
-            <p:nvPr/>
-          </p:nvSpPr>
-          <p:spPr>
-            <a:xfrm>
-              <a:off x="6301947" y="1339950"/>
-              <a:ext cx="2029208" cy="456900"/>
-            </a:xfrm>
-            <a:prstGeom prst="rect">
-              <a:avLst/>
-            </a:prstGeom>
-            <a:solidFill>
-              <a:schemeClr val="accent1"/>
-            </a:solidFill>
-            <a:ln w="38100" cap="flat" cmpd="sng">
-              <a:solidFill>
-                <a:schemeClr val="dk1"/>
-              </a:solidFill>
-              <a:prstDash val="solid"/>
-              <a:round/>
-              <a:headEnd type="none" w="sm" len="sm"/>
-              <a:tailEnd type="none" w="sm" len="sm"/>
-            </a:ln>
-          </p:spPr>
-          <p:txBody>
-            <a:bodyPr spcFirstLastPara="1" wrap="square" lIns="91425" tIns="91425" rIns="91425" bIns="91425" anchor="ctr" anchorCtr="0">
-              <a:noAutofit/>
-            </a:bodyPr>
-            <a:lstStyle/>
-            <a:p>
-              <a:pPr marL="0" lvl="0" indent="0" algn="l" rtl="0">
-                <a:spcBef>
-                  <a:spcPts val="0"/>
-                </a:spcBef>
-                <a:spcAft>
-                  <a:spcPts val="0"/>
-                </a:spcAft>
-                <a:buNone/>
-              </a:pPr>
-              <a:endParaRPr/>
-            </a:p>
-          </p:txBody>
-        </p:sp>
-        <p:sp>
-          <p:nvSpPr>
-            <p:cNvPr id="1281" name="Google Shape;1281;p48"/>
-            <p:cNvSpPr/>
-            <p:nvPr/>
-          </p:nvSpPr>
-          <p:spPr>
-            <a:xfrm>
-              <a:off x="8340366" y="1339950"/>
-              <a:ext cx="332571" cy="456900"/>
-            </a:xfrm>
-            <a:prstGeom prst="rect">
-              <a:avLst/>
-            </a:prstGeom>
-            <a:solidFill>
-              <a:schemeClr val="accent1"/>
-            </a:solidFill>
-            <a:ln w="38100" cap="flat" cmpd="sng">
-              <a:solidFill>
-                <a:schemeClr val="dk1"/>
-              </a:solidFill>
-              <a:prstDash val="solid"/>
-              <a:round/>
-              <a:headEnd type="none" w="sm" len="sm"/>
-              <a:tailEnd type="none" w="sm" len="sm"/>
-            </a:ln>
-          </p:spPr>
-          <p:txBody>
-            <a:bodyPr spcFirstLastPara="1" wrap="square" lIns="91425" tIns="91425" rIns="91425" bIns="91425" anchor="ctr" anchorCtr="0">
-              <a:noAutofit/>
-            </a:bodyPr>
-            <a:lstStyle/>
-            <a:p>
-              <a:pPr marL="0" lvl="0" indent="0" algn="l" rtl="0">
-                <a:spcBef>
-                  <a:spcPts val="0"/>
-                </a:spcBef>
-                <a:spcAft>
-                  <a:spcPts val="0"/>
-                </a:spcAft>
-                <a:buNone/>
-              </a:pPr>
-              <a:endParaRPr/>
-            </a:p>
-          </p:txBody>
-        </p:sp>
-      </p:grpSp>
-      <p:sp>
-        <p:nvSpPr>
-          <p:cNvPr id="1282" name="Google Shape;1282;p48"/>
-          <p:cNvSpPr txBox="1"/>
-          <p:nvPr/>
-        </p:nvSpPr>
-        <p:spPr>
-          <a:xfrm>
-            <a:off x="1114050" y="1339950"/>
-            <a:ext cx="1789500" cy="469800"/>
-          </a:xfrm>
-          <a:prstGeom prst="rect">
-            <a:avLst/>
-          </a:prstGeom>
-          <a:noFill/>
-          <a:ln>
-            <a:noFill/>
-          </a:ln>
-        </p:spPr>
-        <p:txBody>
-          <a:bodyPr spcFirstLastPara="1" wrap="square" lIns="0" tIns="0" rIns="0" bIns="0" anchor="ctr" anchorCtr="0">
-            <a:noAutofit/>
-          </a:bodyPr>
-          <a:lstStyle/>
-          <a:p>
-            <a:pPr marL="0" lvl="0" indent="0" algn="ctr" rtl="0">
-              <a:spcBef>
-                <a:spcPts val="0"/>
-              </a:spcBef>
-              <a:spcAft>
-                <a:spcPts val="0"/>
-              </a:spcAft>
-              <a:buNone/>
-            </a:pPr>
-            <a:r>
-              <a:rPr lang="en" sz="2000">
-                <a:solidFill>
-                  <a:schemeClr val="dk1"/>
-                </a:solidFill>
-                <a:latin typeface="Raleway Thin"/>
-                <a:ea typeface="Raleway Thin"/>
-                <a:cs typeface="Raleway Thin"/>
-                <a:sym typeface="Raleway Thin"/>
-              </a:rPr>
-              <a:t>FREE</a:t>
-            </a:r>
-            <a:endParaRPr sz="2000">
-              <a:solidFill>
-                <a:schemeClr val="dk1"/>
-              </a:solidFill>
-              <a:latin typeface="Raleway Thin"/>
-              <a:ea typeface="Raleway Thin"/>
-              <a:cs typeface="Raleway Thin"/>
-              <a:sym typeface="Raleway Thin"/>
-            </a:endParaRPr>
-          </a:p>
-        </p:txBody>
-      </p:sp>
-      <p:sp>
-        <p:nvSpPr>
-          <p:cNvPr id="1283" name="Google Shape;1283;p48"/>
-          <p:cNvSpPr txBox="1"/>
-          <p:nvPr/>
-        </p:nvSpPr>
-        <p:spPr>
-          <a:xfrm>
-            <a:off x="1200500" y="1936875"/>
-            <a:ext cx="2198100" cy="1746900"/>
-          </a:xfrm>
-          <a:prstGeom prst="rect">
-            <a:avLst/>
-          </a:prstGeom>
-          <a:noFill/>
-          <a:ln>
-            <a:noFill/>
-          </a:ln>
-        </p:spPr>
-        <p:txBody>
-          <a:bodyPr spcFirstLastPara="1" wrap="square" lIns="0" tIns="0" rIns="0" bIns="0" anchor="ctr" anchorCtr="0">
-            <a:noAutofit/>
-          </a:bodyPr>
-          <a:lstStyle/>
-          <a:p>
-            <a:pPr marL="0" lvl="0" indent="-151999" algn="ctr" rtl="0">
-              <a:spcBef>
-                <a:spcPts val="0"/>
-              </a:spcBef>
-              <a:spcAft>
-                <a:spcPts val="0"/>
-              </a:spcAft>
-              <a:buClr>
-                <a:schemeClr val="dk1"/>
-              </a:buClr>
-              <a:buSzPts val="1600"/>
-              <a:buFont typeface="Tajawal"/>
-              <a:buChar char="●"/>
-            </a:pPr>
-            <a:r>
-              <a:rPr lang="en" sz="1600" dirty="0" smtClean="0">
-                <a:solidFill>
-                  <a:schemeClr val="dk2"/>
-                </a:solidFill>
-                <a:latin typeface="Tajawal"/>
-                <a:ea typeface="Tajawal"/>
-                <a:cs typeface="Tajawal"/>
-                <a:sym typeface="Tajawal"/>
-              </a:rPr>
-              <a:t>Relational Database Mangement System (RDBMS)</a:t>
-            </a:r>
-            <a:endParaRPr sz="1600" dirty="0">
-              <a:solidFill>
-                <a:schemeClr val="dk2"/>
-              </a:solidFill>
-              <a:latin typeface="Tajawal"/>
-              <a:ea typeface="Tajawal"/>
-              <a:cs typeface="Tajawal"/>
-              <a:sym typeface="Tajawal"/>
-            </a:endParaRPr>
-          </a:p>
-          <a:p>
-            <a:pPr marL="0" lvl="0" indent="-151999" algn="ctr" rtl="0">
-              <a:spcBef>
-                <a:spcPts val="0"/>
-              </a:spcBef>
-              <a:spcAft>
-                <a:spcPts val="0"/>
-              </a:spcAft>
-              <a:buClr>
-                <a:schemeClr val="dk1"/>
-              </a:buClr>
-              <a:buSzPts val="1600"/>
-              <a:buFont typeface="Tajawal"/>
-              <a:buChar char="●"/>
-            </a:pPr>
-            <a:r>
-              <a:rPr lang="en" sz="1600" dirty="0" smtClean="0">
-                <a:solidFill>
-                  <a:schemeClr val="dk2"/>
-                </a:solidFill>
-                <a:latin typeface="Tajawal"/>
-                <a:ea typeface="Tajawal"/>
-                <a:cs typeface="Tajawal"/>
-                <a:sym typeface="Tajawal"/>
-              </a:rPr>
-              <a:t>Compatible with many tools</a:t>
-            </a:r>
-            <a:endParaRPr sz="1600" dirty="0">
-              <a:solidFill>
-                <a:schemeClr val="dk2"/>
-              </a:solidFill>
-              <a:latin typeface="Tajawal"/>
-              <a:ea typeface="Tajawal"/>
-              <a:cs typeface="Tajawal"/>
-              <a:sym typeface="Tajawal"/>
-            </a:endParaRPr>
-          </a:p>
-          <a:p>
-            <a:pPr marL="0" lvl="0" indent="-151999" algn="ctr" rtl="0">
-              <a:spcBef>
-                <a:spcPts val="0"/>
-              </a:spcBef>
-              <a:spcAft>
-                <a:spcPts val="0"/>
-              </a:spcAft>
-              <a:buClr>
-                <a:schemeClr val="dk1"/>
-              </a:buClr>
-              <a:buSzPts val="1600"/>
-              <a:buFont typeface="Tajawal"/>
-              <a:buChar char="●"/>
-            </a:pPr>
-            <a:r>
-              <a:rPr lang="en" sz="1600" dirty="0" smtClean="0">
-                <a:solidFill>
-                  <a:schemeClr val="dk2"/>
-                </a:solidFill>
-                <a:latin typeface="Tajawal"/>
-                <a:ea typeface="Tajawal"/>
-                <a:cs typeface="Tajawal"/>
-                <a:sym typeface="Tajawal"/>
-              </a:rPr>
-              <a:t>Best suited for complex queries</a:t>
-            </a:r>
-          </a:p>
-          <a:p>
-            <a:pPr marL="0" lvl="0" indent="-151999" algn="ctr" rtl="0">
-              <a:spcBef>
-                <a:spcPts val="0"/>
-              </a:spcBef>
-              <a:spcAft>
-                <a:spcPts val="0"/>
-              </a:spcAft>
-              <a:buClr>
-                <a:schemeClr val="dk1"/>
-              </a:buClr>
-              <a:buSzPts val="1600"/>
-              <a:buFont typeface="Tajawal"/>
-              <a:buChar char="●"/>
-            </a:pPr>
-            <a:r>
-              <a:rPr lang="en" sz="1600" dirty="0" smtClean="0">
-                <a:solidFill>
-                  <a:schemeClr val="dk2"/>
-                </a:solidFill>
-                <a:latin typeface="Tajawal"/>
-                <a:ea typeface="Tajawal"/>
-                <a:cs typeface="Tajawal"/>
-                <a:sym typeface="Tajawal"/>
-              </a:rPr>
-              <a:t>Table-based database</a:t>
-            </a:r>
-          </a:p>
-          <a:p>
-            <a:pPr marL="0" lvl="0" indent="-151999" algn="ctr" rtl="0">
-              <a:spcBef>
-                <a:spcPts val="0"/>
-              </a:spcBef>
-              <a:spcAft>
-                <a:spcPts val="0"/>
-              </a:spcAft>
-              <a:buClr>
-                <a:schemeClr val="dk1"/>
-              </a:buClr>
-              <a:buSzPts val="1600"/>
-              <a:buFont typeface="Tajawal"/>
-              <a:buChar char="●"/>
-            </a:pPr>
-            <a:r>
-              <a:rPr lang="en" sz="1600" smtClean="0">
-                <a:solidFill>
-                  <a:schemeClr val="dk2"/>
-                </a:solidFill>
-                <a:latin typeface="Tajawal"/>
-                <a:ea typeface="Tajawal"/>
-                <a:cs typeface="Tajawal"/>
-                <a:sym typeface="Tajawal"/>
-              </a:rPr>
-              <a:t>Predefi</a:t>
-            </a:r>
-            <a:endParaRPr sz="1600" dirty="0">
-              <a:solidFill>
-                <a:schemeClr val="dk2"/>
-              </a:solidFill>
-              <a:latin typeface="Tajawal"/>
-              <a:ea typeface="Tajawal"/>
-              <a:cs typeface="Tajawal"/>
-              <a:sym typeface="Tajawal"/>
-            </a:endParaRPr>
-          </a:p>
-        </p:txBody>
-      </p:sp>
-      <p:sp>
-        <p:nvSpPr>
-          <p:cNvPr id="1285" name="Google Shape;1285;p48"/>
-          <p:cNvSpPr txBox="1"/>
-          <p:nvPr/>
-        </p:nvSpPr>
-        <p:spPr>
-          <a:xfrm>
-            <a:off x="6388400" y="1936875"/>
-            <a:ext cx="2198100" cy="1746900"/>
-          </a:xfrm>
-          <a:prstGeom prst="rect">
-            <a:avLst/>
-          </a:prstGeom>
-          <a:noFill/>
-          <a:ln>
-            <a:noFill/>
-          </a:ln>
-        </p:spPr>
-        <p:txBody>
-          <a:bodyPr spcFirstLastPara="1" wrap="square" lIns="0" tIns="0" rIns="0" bIns="0" anchor="ctr" anchorCtr="0">
-            <a:noAutofit/>
-          </a:bodyPr>
-          <a:lstStyle/>
-          <a:p>
-            <a:pPr marL="0" lvl="0" indent="0" algn="ctr" rtl="0">
-              <a:spcBef>
-                <a:spcPts val="0"/>
-              </a:spcBef>
-              <a:spcAft>
-                <a:spcPts val="0"/>
-              </a:spcAft>
-              <a:buNone/>
-            </a:pPr>
-            <a:r>
-              <a:rPr lang="en" sz="1600" dirty="0">
-                <a:solidFill>
-                  <a:schemeClr val="dk2"/>
-                </a:solidFill>
-                <a:latin typeface="Tajawal"/>
-                <a:ea typeface="Tajawal"/>
-                <a:cs typeface="Tajawal"/>
-                <a:sym typeface="Tajawal"/>
-              </a:rPr>
-              <a:t>You can explain here your product or your service</a:t>
-            </a:r>
-            <a:endParaRPr sz="1600" dirty="0">
-              <a:solidFill>
-                <a:schemeClr val="dk2"/>
-              </a:solidFill>
-              <a:latin typeface="Tajawal"/>
-              <a:ea typeface="Tajawal"/>
-              <a:cs typeface="Tajawal"/>
-              <a:sym typeface="Tajawal"/>
-            </a:endParaRPr>
-          </a:p>
-          <a:p>
-            <a:pPr marL="0" lvl="0" indent="0" algn="ctr" rtl="0">
-              <a:spcBef>
-                <a:spcPts val="0"/>
-              </a:spcBef>
-              <a:spcAft>
-                <a:spcPts val="0"/>
-              </a:spcAft>
-              <a:buNone/>
-            </a:pPr>
-            <a:endParaRPr sz="1600" dirty="0">
-              <a:solidFill>
-                <a:schemeClr val="dk2"/>
-              </a:solidFill>
-              <a:latin typeface="Tajawal"/>
-              <a:ea typeface="Tajawal"/>
-              <a:cs typeface="Tajawal"/>
-              <a:sym typeface="Tajawal"/>
-            </a:endParaRPr>
-          </a:p>
-          <a:p>
-            <a:pPr marL="0" lvl="0" indent="-151999" algn="ctr" rtl="0">
-              <a:spcBef>
-                <a:spcPts val="0"/>
-              </a:spcBef>
-              <a:spcAft>
-                <a:spcPts val="0"/>
-              </a:spcAft>
-              <a:buClr>
-                <a:schemeClr val="dk1"/>
-              </a:buClr>
-              <a:buSzPts val="1600"/>
-              <a:buFont typeface="Tajawal"/>
-              <a:buChar char="●"/>
-            </a:pPr>
-            <a:r>
-              <a:rPr lang="en" sz="1600" dirty="0">
-                <a:solidFill>
-                  <a:schemeClr val="dk2"/>
-                </a:solidFill>
-                <a:latin typeface="Tajawal"/>
-                <a:ea typeface="Tajawal"/>
-                <a:cs typeface="Tajawal"/>
-                <a:sym typeface="Tajawal"/>
-              </a:rPr>
-              <a:t>Characteristic</a:t>
-            </a:r>
-            <a:endParaRPr sz="1600" dirty="0">
-              <a:solidFill>
-                <a:schemeClr val="dk2"/>
-              </a:solidFill>
-              <a:latin typeface="Tajawal"/>
-              <a:ea typeface="Tajawal"/>
-              <a:cs typeface="Tajawal"/>
-              <a:sym typeface="Tajawal"/>
-            </a:endParaRPr>
-          </a:p>
-          <a:p>
-            <a:pPr marL="0" lvl="0" indent="-151999" algn="ctr" rtl="0">
-              <a:spcBef>
-                <a:spcPts val="0"/>
-              </a:spcBef>
-              <a:spcAft>
-                <a:spcPts val="0"/>
-              </a:spcAft>
-              <a:buClr>
-                <a:schemeClr val="dk1"/>
-              </a:buClr>
-              <a:buSzPts val="1600"/>
-              <a:buFont typeface="Tajawal"/>
-              <a:buChar char="●"/>
-            </a:pPr>
-            <a:r>
-              <a:rPr lang="en" sz="1600" dirty="0">
-                <a:solidFill>
-                  <a:schemeClr val="dk2"/>
-                </a:solidFill>
-                <a:latin typeface="Tajawal"/>
-                <a:ea typeface="Tajawal"/>
-                <a:cs typeface="Tajawal"/>
-                <a:sym typeface="Tajawal"/>
-              </a:rPr>
-              <a:t>Characteristic</a:t>
-            </a:r>
-            <a:endParaRPr sz="1600" dirty="0">
-              <a:solidFill>
-                <a:schemeClr val="dk2"/>
-              </a:solidFill>
-              <a:latin typeface="Tajawal"/>
-              <a:ea typeface="Tajawal"/>
-              <a:cs typeface="Tajawal"/>
-              <a:sym typeface="Tajawal"/>
-            </a:endParaRPr>
-          </a:p>
-          <a:p>
-            <a:pPr marL="0" lvl="0" indent="-151999" algn="ctr" rtl="0">
-              <a:spcBef>
-                <a:spcPts val="0"/>
-              </a:spcBef>
-              <a:spcAft>
-                <a:spcPts val="0"/>
-              </a:spcAft>
-              <a:buClr>
-                <a:schemeClr val="dk1"/>
-              </a:buClr>
-              <a:buSzPts val="1600"/>
-              <a:buFont typeface="Tajawal"/>
-              <a:buChar char="●"/>
-            </a:pPr>
-            <a:r>
-              <a:rPr lang="en" sz="1600" dirty="0">
-                <a:solidFill>
-                  <a:schemeClr val="dk2"/>
-                </a:solidFill>
-                <a:latin typeface="Tajawal"/>
-                <a:ea typeface="Tajawal"/>
-                <a:cs typeface="Tajawal"/>
-                <a:sym typeface="Tajawal"/>
-              </a:rPr>
-              <a:t>Characteristic</a:t>
-            </a:r>
-            <a:endParaRPr sz="1600" dirty="0">
-              <a:solidFill>
-                <a:schemeClr val="dk2"/>
-              </a:solidFill>
-              <a:latin typeface="Tajawal"/>
-              <a:ea typeface="Tajawal"/>
-              <a:cs typeface="Tajawal"/>
-              <a:sym typeface="Tajawal"/>
-            </a:endParaRPr>
-          </a:p>
-        </p:txBody>
-      </p:sp>
-      <p:sp>
-        <p:nvSpPr>
-          <p:cNvPr id="1287" name="Google Shape;1287;p48"/>
-          <p:cNvSpPr txBox="1"/>
-          <p:nvPr/>
-        </p:nvSpPr>
-        <p:spPr>
-          <a:xfrm>
-            <a:off x="5292428" y="1359638"/>
-            <a:ext cx="1789500" cy="469800"/>
-          </a:xfrm>
-          <a:prstGeom prst="rect">
-            <a:avLst/>
-          </a:prstGeom>
-          <a:noFill/>
-          <a:ln>
-            <a:noFill/>
-          </a:ln>
-        </p:spPr>
-        <p:txBody>
-          <a:bodyPr spcFirstLastPara="1" wrap="square" lIns="0" tIns="0" rIns="0" bIns="0" anchor="ctr" anchorCtr="0">
-            <a:noAutofit/>
-          </a:bodyPr>
-          <a:lstStyle/>
-          <a:p>
-            <a:pPr marL="0" lvl="0" indent="0" algn="ctr" rtl="0">
-              <a:spcBef>
-                <a:spcPts val="0"/>
-              </a:spcBef>
-              <a:spcAft>
-                <a:spcPts val="0"/>
-              </a:spcAft>
-              <a:buNone/>
-            </a:pPr>
-            <a:r>
-              <a:rPr lang="en" sz="2000" dirty="0">
-                <a:solidFill>
-                  <a:schemeClr val="dk1"/>
-                </a:solidFill>
-                <a:latin typeface="Raleway Thin"/>
-                <a:ea typeface="Raleway Thin"/>
-                <a:cs typeface="Raleway Thin"/>
-                <a:sym typeface="Raleway Thin"/>
-              </a:rPr>
-              <a:t>PREMIUM</a:t>
-            </a:r>
-            <a:endParaRPr sz="2000" dirty="0">
-              <a:solidFill>
-                <a:schemeClr val="dk1"/>
-              </a:solidFill>
-              <a:latin typeface="Raleway Thin"/>
-              <a:ea typeface="Raleway Thin"/>
-              <a:cs typeface="Raleway Thin"/>
-              <a:sym typeface="Raleway Thin"/>
-            </a:endParaRPr>
-          </a:p>
-        </p:txBody>
-      </p:sp>
-      <p:sp>
-        <p:nvSpPr>
-          <p:cNvPr id="1290" name="Google Shape;1290;p48"/>
-          <p:cNvSpPr txBox="1"/>
-          <p:nvPr/>
-        </p:nvSpPr>
-        <p:spPr>
-          <a:xfrm>
-            <a:off x="6388400" y="3810900"/>
-            <a:ext cx="2198100" cy="469800"/>
-          </a:xfrm>
-          <a:prstGeom prst="rect">
-            <a:avLst/>
-          </a:prstGeom>
-          <a:noFill/>
-          <a:ln>
-            <a:noFill/>
-          </a:ln>
-        </p:spPr>
-        <p:txBody>
-          <a:bodyPr spcFirstLastPara="1" wrap="square" lIns="0" tIns="0" rIns="0" bIns="0" anchor="ctr" anchorCtr="0">
-            <a:noAutofit/>
-          </a:bodyPr>
-          <a:lstStyle/>
-          <a:p>
-            <a:pPr marL="0" lvl="0" indent="0" algn="ctr" rtl="0">
-              <a:spcBef>
-                <a:spcPts val="0"/>
-              </a:spcBef>
-              <a:spcAft>
-                <a:spcPts val="0"/>
-              </a:spcAft>
-              <a:buNone/>
-            </a:pPr>
-            <a:r>
-              <a:rPr lang="en" sz="3000">
-                <a:solidFill>
-                  <a:schemeClr val="dk1"/>
-                </a:solidFill>
-                <a:latin typeface="Raleway Thin"/>
-                <a:ea typeface="Raleway Thin"/>
-                <a:cs typeface="Raleway Thin"/>
-                <a:sym typeface="Raleway Thin"/>
-              </a:rPr>
-              <a:t>$60</a:t>
-            </a:r>
-            <a:endParaRPr sz="3000">
-              <a:solidFill>
-                <a:schemeClr val="dk1"/>
-              </a:solidFill>
-              <a:latin typeface="Raleway Thin"/>
-              <a:ea typeface="Raleway Thin"/>
-              <a:cs typeface="Raleway Thin"/>
-              <a:sym typeface="Raleway Thin"/>
-            </a:endParaRPr>
-          </a:p>
-        </p:txBody>
-      </p:sp>
-      <p:pic>
-        <p:nvPicPr>
-          <p:cNvPr id="1291" name="Google Shape;1291;p48">
-            <a:hlinkClick r:id="" action="ppaction://noaction"/>
-          </p:cNvPr>
-          <p:cNvPicPr preferRelativeResize="0"/>
-          <p:nvPr/>
-        </p:nvPicPr>
-        <p:blipFill rotWithShape="1">
-          <a:blip r:embed="rId3">
-            <a:alphaModFix/>
-          </a:blip>
-          <a:srcRect t="465" b="475"/>
-          <a:stretch/>
-        </p:blipFill>
-        <p:spPr>
-          <a:xfrm>
-            <a:off x="8446575" y="550350"/>
-            <a:ext cx="265550" cy="258850"/>
-          </a:xfrm>
-          <a:prstGeom prst="rect">
-            <a:avLst/>
-          </a:prstGeom>
-          <a:noFill/>
-          <a:ln>
-            <a:noFill/>
-          </a:ln>
-        </p:spPr>
-      </p:pic>
-      <p:pic>
-        <p:nvPicPr>
-          <p:cNvPr id="1292" name="Google Shape;1292;p48">
-            <a:hlinkClick r:id="rId4" action="ppaction://hlinksldjump"/>
-          </p:cNvPr>
-          <p:cNvPicPr preferRelativeResize="0"/>
-          <p:nvPr/>
-        </p:nvPicPr>
-        <p:blipFill rotWithShape="1">
-          <a:blip r:embed="rId5">
-            <a:alphaModFix/>
-          </a:blip>
-          <a:srcRect t="941" b="941"/>
-          <a:stretch/>
-        </p:blipFill>
-        <p:spPr>
-          <a:xfrm>
-            <a:off x="237300" y="550513"/>
-            <a:ext cx="294878" cy="230099"/>
-          </a:xfrm>
-          <a:prstGeom prst="rect">
-            <a:avLst/>
-          </a:prstGeom>
-          <a:noFill/>
-          <a:ln>
-            <a:noFill/>
-          </a:ln>
-        </p:spPr>
-      </p:pic>
-      <p:pic>
-        <p:nvPicPr>
-          <p:cNvPr id="1293" name="Google Shape;1293;p48">
-            <a:hlinkClick r:id="" action="ppaction://hlinkshowjump?jump=previousslide"/>
-          </p:cNvPr>
-          <p:cNvPicPr preferRelativeResize="0"/>
-          <p:nvPr/>
-        </p:nvPicPr>
-        <p:blipFill>
-          <a:blip r:embed="rId6">
-            <a:alphaModFix/>
-          </a:blip>
-          <a:stretch>
-            <a:fillRect/>
-          </a:stretch>
-        </p:blipFill>
-        <p:spPr>
-          <a:xfrm>
-            <a:off x="237301" y="1181549"/>
-            <a:ext cx="294875" cy="307964"/>
-          </a:xfrm>
-          <a:prstGeom prst="rect">
-            <a:avLst/>
-          </a:prstGeom>
-          <a:noFill/>
-          <a:ln>
-            <a:noFill/>
-          </a:ln>
-        </p:spPr>
-      </p:pic>
-      <p:pic>
-        <p:nvPicPr>
-          <p:cNvPr id="1294" name="Google Shape;1294;p48">
-            <a:hlinkClick r:id="" action="ppaction://hlinkshowjump?jump=nextslide"/>
-          </p:cNvPr>
-          <p:cNvPicPr preferRelativeResize="0"/>
-          <p:nvPr/>
-        </p:nvPicPr>
-        <p:blipFill>
-          <a:blip r:embed="rId6">
-            <a:alphaModFix/>
-          </a:blip>
-          <a:stretch>
-            <a:fillRect/>
-          </a:stretch>
-        </p:blipFill>
-        <p:spPr>
-          <a:xfrm flipH="1">
-            <a:off x="237301" y="3724924"/>
-            <a:ext cx="294875" cy="307964"/>
-          </a:xfrm>
-          <a:prstGeom prst="rect">
-            <a:avLst/>
-          </a:prstGeom>
-          <a:noFill/>
-          <a:ln>
-            <a:noFill/>
-          </a:ln>
-        </p:spPr>
-      </p:pic>
-      <p:pic>
-        <p:nvPicPr>
-          <p:cNvPr id="1295" name="Google Shape;1295;p48">
-            <a:hlinkClick r:id="" action="ppaction://noaction"/>
-          </p:cNvPr>
-          <p:cNvPicPr preferRelativeResize="0"/>
-          <p:nvPr/>
-        </p:nvPicPr>
-        <p:blipFill rotWithShape="1">
-          <a:blip r:embed="rId7">
-            <a:alphaModFix/>
-          </a:blip>
-          <a:srcRect l="396" r="396"/>
-          <a:stretch/>
-        </p:blipFill>
-        <p:spPr>
-          <a:xfrm>
-            <a:off x="228050" y="4350525"/>
-            <a:ext cx="302603" cy="307950"/>
-          </a:xfrm>
-          <a:prstGeom prst="rect">
-            <a:avLst/>
-          </a:prstGeom>
-          <a:noFill/>
-          <a:ln>
-            <a:noFill/>
-          </a:ln>
-        </p:spPr>
-      </p:pic>
-      <p:pic>
-        <p:nvPicPr>
-          <p:cNvPr id="1296" name="Google Shape;1296;p48">
-            <a:hlinkClick r:id="" action="ppaction://noaction"/>
-          </p:cNvPr>
-          <p:cNvPicPr preferRelativeResize="0"/>
-          <p:nvPr/>
-        </p:nvPicPr>
-        <p:blipFill rotWithShape="1">
-          <a:blip r:embed="rId3">
-            <a:alphaModFix/>
-          </a:blip>
-          <a:srcRect t="465" b="475"/>
-          <a:stretch/>
-        </p:blipFill>
-        <p:spPr>
-          <a:xfrm>
-            <a:off x="8291237" y="1445425"/>
-            <a:ext cx="265550" cy="258850"/>
-          </a:xfrm>
-          <a:prstGeom prst="rect">
-            <a:avLst/>
-          </a:prstGeom>
-          <a:noFill/>
-          <a:ln>
-            <a:noFill/>
-          </a:ln>
-        </p:spPr>
-      </p:pic>
-      <p:pic>
-        <p:nvPicPr>
-          <p:cNvPr id="1298" name="Google Shape;1298;p48">
-            <a:hlinkClick r:id="" action="ppaction://noaction"/>
-          </p:cNvPr>
-          <p:cNvPicPr preferRelativeResize="0"/>
-          <p:nvPr/>
-        </p:nvPicPr>
-        <p:blipFill rotWithShape="1">
-          <a:blip r:embed="rId3">
-            <a:alphaModFix/>
-          </a:blip>
-          <a:srcRect t="465" b="475"/>
-          <a:stretch/>
-        </p:blipFill>
-        <p:spPr>
-          <a:xfrm>
-            <a:off x="4045664" y="1438975"/>
-            <a:ext cx="265550" cy="258850"/>
-          </a:xfrm>
-          <a:prstGeom prst="rect">
-            <a:avLst/>
-          </a:prstGeom>
-          <a:noFill/>
-          <a:ln>
-            <a:noFill/>
-          </a:ln>
-        </p:spPr>
-      </p:pic>
-      <p:sp>
-        <p:nvSpPr>
-          <p:cNvPr id="1299" name="Google Shape;1299;p48">
-            <a:hlinkClick r:id="rId8" action="ppaction://hlinksldjump"/>
-          </p:cNvPr>
-          <p:cNvSpPr/>
-          <p:nvPr/>
-        </p:nvSpPr>
-        <p:spPr>
-          <a:xfrm>
-            <a:off x="125400" y="1714388"/>
-            <a:ext cx="507900" cy="230100"/>
-          </a:xfrm>
-          <a:prstGeom prst="rect">
-            <a:avLst/>
-          </a:prstGeom>
-          <a:noFill/>
-          <a:ln>
-            <a:noFill/>
-          </a:ln>
-        </p:spPr>
-        <p:txBody>
-          <a:bodyPr spcFirstLastPara="1" wrap="square" lIns="0" tIns="91425" rIns="0" bIns="91425" anchor="ctr" anchorCtr="0">
-            <a:noAutofit/>
-          </a:bodyPr>
-          <a:lstStyle/>
-          <a:p>
-            <a:pPr marL="0" lvl="0" indent="0" algn="ctr" rtl="0">
-              <a:spcBef>
-                <a:spcPts val="0"/>
-              </a:spcBef>
-              <a:spcAft>
-                <a:spcPts val="0"/>
-              </a:spcAft>
-              <a:buNone/>
-            </a:pPr>
-            <a:r>
-              <a:rPr lang="en" sz="1800" b="1">
-                <a:solidFill>
-                  <a:schemeClr val="dk1"/>
-                </a:solidFill>
-                <a:latin typeface="Raleway"/>
-                <a:ea typeface="Raleway"/>
-                <a:cs typeface="Raleway"/>
-                <a:sym typeface="Raleway"/>
-              </a:rPr>
-              <a:t>01</a:t>
-            </a:r>
-            <a:endParaRPr sz="1800" b="1">
-              <a:solidFill>
-                <a:schemeClr val="dk1"/>
-              </a:solidFill>
-              <a:latin typeface="Raleway"/>
-              <a:ea typeface="Raleway"/>
-              <a:cs typeface="Raleway"/>
-              <a:sym typeface="Raleway"/>
-            </a:endParaRPr>
-          </a:p>
-        </p:txBody>
-      </p:sp>
-      <p:sp>
-        <p:nvSpPr>
-          <p:cNvPr id="1300" name="Google Shape;1300;p48">
-            <a:hlinkClick r:id="" action="ppaction://noaction"/>
-          </p:cNvPr>
-          <p:cNvSpPr/>
-          <p:nvPr/>
-        </p:nvSpPr>
-        <p:spPr>
-          <a:xfrm>
-            <a:off x="125400" y="2226163"/>
-            <a:ext cx="507900" cy="230100"/>
-          </a:xfrm>
-          <a:prstGeom prst="rect">
-            <a:avLst/>
-          </a:prstGeom>
-          <a:noFill/>
-          <a:ln>
-            <a:noFill/>
-          </a:ln>
-        </p:spPr>
-        <p:txBody>
-          <a:bodyPr spcFirstLastPara="1" wrap="square" lIns="0" tIns="91425" rIns="0" bIns="91425" anchor="ctr" anchorCtr="0">
-            <a:noAutofit/>
-          </a:bodyPr>
-          <a:lstStyle/>
-          <a:p>
-            <a:pPr marL="0" lvl="0" indent="0" algn="ctr" rtl="0">
-              <a:spcBef>
-                <a:spcPts val="0"/>
-              </a:spcBef>
-              <a:spcAft>
-                <a:spcPts val="0"/>
-              </a:spcAft>
-              <a:buNone/>
-            </a:pPr>
-            <a:r>
-              <a:rPr lang="en" sz="1800" b="1">
-                <a:solidFill>
-                  <a:schemeClr val="dk1"/>
-                </a:solidFill>
-                <a:latin typeface="Raleway"/>
-                <a:ea typeface="Raleway"/>
-                <a:cs typeface="Raleway"/>
-                <a:sym typeface="Raleway"/>
-              </a:rPr>
-              <a:t>02</a:t>
-            </a:r>
-            <a:endParaRPr sz="1800" b="1">
-              <a:solidFill>
-                <a:schemeClr val="dk1"/>
-              </a:solidFill>
-              <a:latin typeface="Raleway"/>
-              <a:ea typeface="Raleway"/>
-              <a:cs typeface="Raleway"/>
-              <a:sym typeface="Raleway"/>
-            </a:endParaRPr>
-          </a:p>
-        </p:txBody>
-      </p:sp>
-      <p:sp>
-        <p:nvSpPr>
-          <p:cNvPr id="1301" name="Google Shape;1301;p48">
-            <a:hlinkClick r:id="" action="ppaction://noaction"/>
-          </p:cNvPr>
-          <p:cNvSpPr/>
-          <p:nvPr/>
-        </p:nvSpPr>
-        <p:spPr>
-          <a:xfrm>
-            <a:off x="125400" y="2738713"/>
-            <a:ext cx="507900" cy="230100"/>
-          </a:xfrm>
-          <a:prstGeom prst="rect">
-            <a:avLst/>
-          </a:prstGeom>
-          <a:noFill/>
-          <a:ln>
-            <a:noFill/>
-          </a:ln>
-        </p:spPr>
-        <p:txBody>
-          <a:bodyPr spcFirstLastPara="1" wrap="square" lIns="0" tIns="91425" rIns="0" bIns="91425" anchor="ctr" anchorCtr="0">
-            <a:noAutofit/>
-          </a:bodyPr>
-          <a:lstStyle/>
-          <a:p>
-            <a:pPr marL="0" lvl="0" indent="0" algn="ctr" rtl="0">
-              <a:spcBef>
-                <a:spcPts val="0"/>
-              </a:spcBef>
-              <a:spcAft>
-                <a:spcPts val="0"/>
-              </a:spcAft>
-              <a:buNone/>
-            </a:pPr>
-            <a:r>
-              <a:rPr lang="en" sz="1800" b="1">
-                <a:solidFill>
-                  <a:schemeClr val="dk1"/>
-                </a:solidFill>
-                <a:latin typeface="Raleway"/>
-                <a:ea typeface="Raleway"/>
-                <a:cs typeface="Raleway"/>
-                <a:sym typeface="Raleway"/>
-              </a:rPr>
-              <a:t>03</a:t>
-            </a:r>
-            <a:endParaRPr sz="1800" b="1">
-              <a:solidFill>
-                <a:schemeClr val="dk1"/>
-              </a:solidFill>
-              <a:latin typeface="Raleway"/>
-              <a:ea typeface="Raleway"/>
-              <a:cs typeface="Raleway"/>
-              <a:sym typeface="Raleway"/>
-            </a:endParaRPr>
-          </a:p>
-        </p:txBody>
-      </p:sp>
-      <p:sp>
-        <p:nvSpPr>
-          <p:cNvPr id="1302" name="Google Shape;1302;p48">
-            <a:hlinkClick r:id="" action="ppaction://noaction"/>
-          </p:cNvPr>
-          <p:cNvSpPr/>
-          <p:nvPr/>
-        </p:nvSpPr>
-        <p:spPr>
-          <a:xfrm>
-            <a:off x="125400" y="3251288"/>
-            <a:ext cx="507900" cy="230100"/>
-          </a:xfrm>
-          <a:prstGeom prst="rect">
-            <a:avLst/>
-          </a:prstGeom>
-          <a:noFill/>
-          <a:ln>
-            <a:noFill/>
-          </a:ln>
-        </p:spPr>
-        <p:txBody>
-          <a:bodyPr spcFirstLastPara="1" wrap="square" lIns="0" tIns="91425" rIns="0" bIns="91425" anchor="ctr" anchorCtr="0">
-            <a:noAutofit/>
-          </a:bodyPr>
-          <a:lstStyle/>
-          <a:p>
-            <a:pPr marL="0" lvl="0" indent="0" algn="ctr" rtl="0">
-              <a:spcBef>
-                <a:spcPts val="0"/>
-              </a:spcBef>
-              <a:spcAft>
-                <a:spcPts val="0"/>
-              </a:spcAft>
-              <a:buNone/>
-            </a:pPr>
-            <a:r>
-              <a:rPr lang="en" sz="1800" b="1">
-                <a:solidFill>
-                  <a:schemeClr val="dk1"/>
-                </a:solidFill>
-                <a:latin typeface="Raleway"/>
-                <a:ea typeface="Raleway"/>
-                <a:cs typeface="Raleway"/>
-                <a:sym typeface="Raleway"/>
-              </a:rPr>
-              <a:t>04</a:t>
-            </a:r>
-            <a:endParaRPr sz="1800" b="1">
-              <a:solidFill>
-                <a:schemeClr val="dk1"/>
-              </a:solidFill>
-              <a:latin typeface="Raleway"/>
-              <a:ea typeface="Raleway"/>
-              <a:cs typeface="Raleway"/>
-              <a:sym typeface="Raleway"/>
-            </a:endParaRPr>
-          </a:p>
-        </p:txBody>
-      </p:sp>
-    </p:spTree>
-    <p:extLst>
-      <p:ext uri="{BB962C8B-B14F-4D97-AF65-F5344CB8AC3E}">
-        <p14:creationId xmlns:p14="http://schemas.microsoft.com/office/powerpoint/2010/main" val="589689667"/>
-      </p:ext>
-    </p:extLst>
-  </p:cSld>
-  <p:clrMapOvr>
-    <a:masterClrMapping/>
-  </p:clrMapOvr>
-</p:sld>
-</file>
-
-<file path=ppt/slides/slide8.xml><?xml version="1.0" encoding="utf-8"?>
-<p:sld xmlns:a="http://schemas.openxmlformats.org/drawingml/2006/main" xmlns:r="http://schemas.openxmlformats.org/officeDocument/2006/relationships" xmlns:p="http://schemas.openxmlformats.org/presentationml/2006/main">
-  <p:cSld>
-    <p:spTree>
-      <p:nvGrpSpPr>
         <p:cNvPr id="1" name="Shape 667"/>
         <p:cNvGrpSpPr/>
         <p:nvPr/>
@@ -28233,7 +26182,7 @@
 </p:sld>
 </file>
 
-<file path=ppt/slides/slide9.xml><?xml version="1.0" encoding="utf-8"?>
+<file path=ppt/slides/slide8.xml><?xml version="1.0" encoding="utf-8"?>
 <p:sld xmlns:a="http://schemas.openxmlformats.org/drawingml/2006/main" xmlns:r="http://schemas.openxmlformats.org/officeDocument/2006/relationships" xmlns:p="http://schemas.openxmlformats.org/presentationml/2006/main">
   <p:cSld>
     <p:spTree>
@@ -30149,6 +28098,568 @@
         <p14:creationId xmlns:p14="http://schemas.microsoft.com/office/powerpoint/2010/main" val="2625659572"/>
       </p:ext>
     </p:extLst>
+  </p:cSld>
+  <p:clrMapOvr>
+    <a:masterClrMapping/>
+  </p:clrMapOvr>
+</p:sld>
+</file>
+
+<file path=ppt/slides/slide9.xml><?xml version="1.0" encoding="utf-8"?>
+<p:sld xmlns:a="http://schemas.openxmlformats.org/drawingml/2006/main" xmlns:r="http://schemas.openxmlformats.org/officeDocument/2006/relationships" xmlns:p="http://schemas.openxmlformats.org/presentationml/2006/main">
+  <p:cSld>
+    <p:spTree>
+      <p:nvGrpSpPr>
+        <p:cNvPr id="1" name="Shape 492"/>
+        <p:cNvGrpSpPr/>
+        <p:nvPr/>
+      </p:nvGrpSpPr>
+      <p:grpSpPr>
+        <a:xfrm>
+          <a:off x="0" y="0"/>
+          <a:ext cx="0" cy="0"/>
+          <a:chOff x="0" y="0"/>
+          <a:chExt cx="0" cy="0"/>
+        </a:xfrm>
+      </p:grpSpPr>
+      <p:pic>
+        <p:nvPicPr>
+          <p:cNvPr id="2" name="Image 1"/>
+          <p:cNvPicPr>
+            <a:picLocks noChangeAspect="1"/>
+          </p:cNvPicPr>
+          <p:nvPr/>
+        </p:nvPicPr>
+        <p:blipFill>
+          <a:blip r:embed="rId3">
+            <a:lum bright="70000" contrast="-70000"/>
+          </a:blip>
+          <a:stretch>
+            <a:fillRect/>
+          </a:stretch>
+        </p:blipFill>
+        <p:spPr>
+          <a:xfrm>
+            <a:off x="2746735" y="1288928"/>
+            <a:ext cx="3800319" cy="2743960"/>
+          </a:xfrm>
+          <a:prstGeom prst="rect">
+            <a:avLst/>
+          </a:prstGeom>
+        </p:spPr>
+      </p:pic>
+      <p:sp>
+        <p:nvSpPr>
+          <p:cNvPr id="493" name="Google Shape;493;p31"/>
+          <p:cNvSpPr txBox="1">
+            <a:spLocks noGrp="1"/>
+          </p:cNvSpPr>
+          <p:nvPr>
+            <p:ph type="title"/>
+          </p:nvPr>
+        </p:nvSpPr>
+        <p:spPr>
+          <a:xfrm>
+            <a:off x="1114050" y="393425"/>
+            <a:ext cx="6915900" cy="572700"/>
+          </a:xfrm>
+          <a:prstGeom prst="rect">
+            <a:avLst/>
+          </a:prstGeom>
+        </p:spPr>
+        <p:txBody>
+          <a:bodyPr spcFirstLastPara="1" wrap="square" lIns="0" tIns="0" rIns="0" bIns="0" anchor="ctr" anchorCtr="0">
+            <a:noAutofit/>
+          </a:bodyPr>
+          <a:lstStyle/>
+          <a:p>
+            <a:pPr marL="0" lvl="0" indent="0" algn="l" rtl="0">
+              <a:spcBef>
+                <a:spcPts val="0"/>
+              </a:spcBef>
+              <a:spcAft>
+                <a:spcPts val="0"/>
+              </a:spcAft>
+              <a:buNone/>
+            </a:pPr>
+            <a:r>
+              <a:rPr lang="en" dirty="0" smtClean="0"/>
+              <a:t>SQL Server</a:t>
+            </a:r>
+            <a:endParaRPr dirty="0"/>
+          </a:p>
+        </p:txBody>
+      </p:sp>
+      <p:sp>
+        <p:nvSpPr>
+          <p:cNvPr id="494" name="Google Shape;494;p31"/>
+          <p:cNvSpPr txBox="1">
+            <a:spLocks noGrp="1"/>
+          </p:cNvSpPr>
+          <p:nvPr>
+            <p:ph type="subTitle" idx="1"/>
+          </p:nvPr>
+        </p:nvSpPr>
+        <p:spPr>
+          <a:xfrm>
+            <a:off x="1569795" y="1551913"/>
+            <a:ext cx="6154200" cy="2603700"/>
+          </a:xfrm>
+          <a:prstGeom prst="rect">
+            <a:avLst/>
+          </a:prstGeom>
+        </p:spPr>
+        <p:txBody>
+          <a:bodyPr spcFirstLastPara="1" wrap="square" lIns="0" tIns="0" rIns="0" bIns="0" anchor="ctr" anchorCtr="0">
+            <a:noAutofit/>
+          </a:bodyPr>
+          <a:lstStyle/>
+          <a:p>
+            <a:pPr algn="just">
+              <a:lnSpc>
+                <a:spcPct val="150000"/>
+              </a:lnSpc>
+            </a:pPr>
+            <a:r>
+              <a:rPr lang="fr-FR" sz="1400" dirty="0">
+                <a:latin typeface="Tajawal" panose="020B0604020202020204" charset="-78"/>
+                <a:cs typeface="Tajawal" panose="020B0604020202020204" charset="-78"/>
+              </a:rPr>
+              <a:t>Microsoft SQL Server est un système de gestion de base de données (SGBD) en langage SQL incorporant entre autres un SGBDR (SGBD relationnel) développé et commercialisé par la société Microsoft.</a:t>
+            </a:r>
+          </a:p>
+          <a:p>
+            <a:pPr algn="just">
+              <a:lnSpc>
+                <a:spcPct val="150000"/>
+              </a:lnSpc>
+            </a:pPr>
+            <a:r>
+              <a:rPr lang="fr-FR" sz="1400" dirty="0">
+                <a:latin typeface="Tajawal" panose="020B0604020202020204" charset="-78"/>
+                <a:cs typeface="Tajawal" panose="020B0604020202020204" charset="-78"/>
+              </a:rPr>
+              <a:t>Il fonctionne sous les OS Windows et Linux (depuis mars 2016), mais il est possible de le lancer sur </a:t>
+            </a:r>
+            <a:r>
+              <a:rPr lang="fr-FR" sz="1400" dirty="0" err="1">
+                <a:latin typeface="Tajawal" panose="020B0604020202020204" charset="-78"/>
+                <a:cs typeface="Tajawal" panose="020B0604020202020204" charset="-78"/>
+              </a:rPr>
+              <a:t>macOS</a:t>
+            </a:r>
+            <a:r>
+              <a:rPr lang="fr-FR" sz="1400" dirty="0">
+                <a:latin typeface="Tajawal" panose="020B0604020202020204" charset="-78"/>
+                <a:cs typeface="Tajawal" panose="020B0604020202020204" charset="-78"/>
+              </a:rPr>
+              <a:t> via Docker, car il en existe une version en téléchargement sur le site de Microsoft.</a:t>
+            </a:r>
+          </a:p>
+          <a:p>
+            <a:pPr algn="just">
+              <a:lnSpc>
+                <a:spcPct val="150000"/>
+              </a:lnSpc>
+            </a:pPr>
+            <a:r>
+              <a:rPr lang="fr-FR" sz="1400" dirty="0">
+                <a:latin typeface="Tajawal" panose="020B0604020202020204" charset="-78"/>
+                <a:cs typeface="Tajawal" panose="020B0604020202020204" charset="-78"/>
+              </a:rPr>
+              <a:t>SQL Server Express est une version d’entrée de gamme gratuite de la base de données, idéale pour l’apprentissage, ainsi que pour la création d’applications de bureau et de petits serveurs jusqu’à 10 Go de données.</a:t>
+            </a:r>
+          </a:p>
+        </p:txBody>
+      </p:sp>
+      <p:pic>
+        <p:nvPicPr>
+          <p:cNvPr id="495" name="Google Shape;495;p31">
+            <a:hlinkClick r:id="" action="ppaction://noaction"/>
+          </p:cNvPr>
+          <p:cNvPicPr preferRelativeResize="0"/>
+          <p:nvPr/>
+        </p:nvPicPr>
+        <p:blipFill rotWithShape="1">
+          <a:blip r:embed="rId4">
+            <a:alphaModFix/>
+          </a:blip>
+          <a:srcRect t="465" b="475"/>
+          <a:stretch/>
+        </p:blipFill>
+        <p:spPr>
+          <a:xfrm>
+            <a:off x="8446575" y="550350"/>
+            <a:ext cx="265550" cy="258850"/>
+          </a:xfrm>
+          <a:prstGeom prst="rect">
+            <a:avLst/>
+          </a:prstGeom>
+          <a:noFill/>
+          <a:ln>
+            <a:noFill/>
+          </a:ln>
+        </p:spPr>
+      </p:pic>
+      <p:pic>
+        <p:nvPicPr>
+          <p:cNvPr id="496" name="Google Shape;496;p31">
+            <a:hlinkClick r:id="rId5" action="ppaction://hlinksldjump"/>
+          </p:cNvPr>
+          <p:cNvPicPr preferRelativeResize="0"/>
+          <p:nvPr/>
+        </p:nvPicPr>
+        <p:blipFill rotWithShape="1">
+          <a:blip r:embed="rId6">
+            <a:alphaModFix/>
+          </a:blip>
+          <a:srcRect t="941" b="941"/>
+          <a:stretch/>
+        </p:blipFill>
+        <p:spPr>
+          <a:xfrm>
+            <a:off x="237300" y="550513"/>
+            <a:ext cx="294878" cy="230099"/>
+          </a:xfrm>
+          <a:prstGeom prst="rect">
+            <a:avLst/>
+          </a:prstGeom>
+          <a:noFill/>
+          <a:ln>
+            <a:noFill/>
+          </a:ln>
+        </p:spPr>
+      </p:pic>
+      <p:pic>
+        <p:nvPicPr>
+          <p:cNvPr id="497" name="Google Shape;497;p31">
+            <a:hlinkClick r:id="" action="ppaction://hlinkshowjump?jump=previousslide"/>
+          </p:cNvPr>
+          <p:cNvPicPr preferRelativeResize="0"/>
+          <p:nvPr/>
+        </p:nvPicPr>
+        <p:blipFill>
+          <a:blip r:embed="rId7">
+            <a:alphaModFix/>
+          </a:blip>
+          <a:stretch>
+            <a:fillRect/>
+          </a:stretch>
+        </p:blipFill>
+        <p:spPr>
+          <a:xfrm>
+            <a:off x="237301" y="1181549"/>
+            <a:ext cx="294875" cy="307964"/>
+          </a:xfrm>
+          <a:prstGeom prst="rect">
+            <a:avLst/>
+          </a:prstGeom>
+          <a:noFill/>
+          <a:ln>
+            <a:noFill/>
+          </a:ln>
+        </p:spPr>
+      </p:pic>
+      <p:pic>
+        <p:nvPicPr>
+          <p:cNvPr id="498" name="Google Shape;498;p31">
+            <a:hlinkClick r:id="" action="ppaction://hlinkshowjump?jump=nextslide"/>
+          </p:cNvPr>
+          <p:cNvPicPr preferRelativeResize="0"/>
+          <p:nvPr/>
+        </p:nvPicPr>
+        <p:blipFill>
+          <a:blip r:embed="rId7">
+            <a:alphaModFix/>
+          </a:blip>
+          <a:stretch>
+            <a:fillRect/>
+          </a:stretch>
+        </p:blipFill>
+        <p:spPr>
+          <a:xfrm flipH="1">
+            <a:off x="237301" y="3724924"/>
+            <a:ext cx="294875" cy="307964"/>
+          </a:xfrm>
+          <a:prstGeom prst="rect">
+            <a:avLst/>
+          </a:prstGeom>
+          <a:noFill/>
+          <a:ln>
+            <a:noFill/>
+          </a:ln>
+        </p:spPr>
+      </p:pic>
+      <p:pic>
+        <p:nvPicPr>
+          <p:cNvPr id="499" name="Google Shape;499;p31">
+            <a:hlinkClick r:id="" action="ppaction://noaction"/>
+          </p:cNvPr>
+          <p:cNvPicPr preferRelativeResize="0"/>
+          <p:nvPr/>
+        </p:nvPicPr>
+        <p:blipFill rotWithShape="1">
+          <a:blip r:embed="rId8">
+            <a:alphaModFix/>
+          </a:blip>
+          <a:srcRect l="396" r="396"/>
+          <a:stretch/>
+        </p:blipFill>
+        <p:spPr>
+          <a:xfrm>
+            <a:off x="228050" y="4350525"/>
+            <a:ext cx="302603" cy="307950"/>
+          </a:xfrm>
+          <a:prstGeom prst="rect">
+            <a:avLst/>
+          </a:prstGeom>
+          <a:noFill/>
+          <a:ln>
+            <a:noFill/>
+          </a:ln>
+        </p:spPr>
+      </p:pic>
+      <p:sp>
+        <p:nvSpPr>
+          <p:cNvPr id="500" name="Google Shape;500;p31">
+            <a:hlinkClick r:id="rId9" action="ppaction://hlinksldjump"/>
+          </p:cNvPr>
+          <p:cNvSpPr/>
+          <p:nvPr/>
+        </p:nvSpPr>
+        <p:spPr>
+          <a:xfrm>
+            <a:off x="125400" y="1714388"/>
+            <a:ext cx="507900" cy="230100"/>
+          </a:xfrm>
+          <a:prstGeom prst="rect">
+            <a:avLst/>
+          </a:prstGeom>
+          <a:noFill/>
+          <a:ln>
+            <a:noFill/>
+          </a:ln>
+        </p:spPr>
+        <p:txBody>
+          <a:bodyPr spcFirstLastPara="1" wrap="square" lIns="0" tIns="91425" rIns="0" bIns="91425" anchor="ctr" anchorCtr="0">
+            <a:noAutofit/>
+          </a:bodyPr>
+          <a:lstStyle/>
+          <a:p>
+            <a:pPr marL="0" lvl="0" indent="0" algn="ctr" rtl="0">
+              <a:spcBef>
+                <a:spcPts val="0"/>
+              </a:spcBef>
+              <a:spcAft>
+                <a:spcPts val="0"/>
+              </a:spcAft>
+              <a:buNone/>
+            </a:pPr>
+            <a:r>
+              <a:rPr lang="en" sz="1800" b="1">
+                <a:solidFill>
+                  <a:schemeClr val="dk1"/>
+                </a:solidFill>
+                <a:latin typeface="Raleway"/>
+                <a:ea typeface="Raleway"/>
+                <a:cs typeface="Raleway"/>
+                <a:sym typeface="Raleway"/>
+              </a:rPr>
+              <a:t>01</a:t>
+            </a:r>
+            <a:endParaRPr sz="1800" b="1">
+              <a:solidFill>
+                <a:schemeClr val="dk1"/>
+              </a:solidFill>
+              <a:latin typeface="Raleway"/>
+              <a:ea typeface="Raleway"/>
+              <a:cs typeface="Raleway"/>
+              <a:sym typeface="Raleway"/>
+            </a:endParaRPr>
+          </a:p>
+        </p:txBody>
+      </p:sp>
+      <p:sp>
+        <p:nvSpPr>
+          <p:cNvPr id="501" name="Google Shape;501;p31">
+            <a:hlinkClick r:id="" action="ppaction://noaction"/>
+          </p:cNvPr>
+          <p:cNvSpPr/>
+          <p:nvPr/>
+        </p:nvSpPr>
+        <p:spPr>
+          <a:xfrm>
+            <a:off x="125400" y="2226163"/>
+            <a:ext cx="507900" cy="230100"/>
+          </a:xfrm>
+          <a:prstGeom prst="rect">
+            <a:avLst/>
+          </a:prstGeom>
+          <a:noFill/>
+          <a:ln>
+            <a:noFill/>
+          </a:ln>
+        </p:spPr>
+        <p:txBody>
+          <a:bodyPr spcFirstLastPara="1" wrap="square" lIns="0" tIns="91425" rIns="0" bIns="91425" anchor="ctr" anchorCtr="0">
+            <a:noAutofit/>
+          </a:bodyPr>
+          <a:lstStyle/>
+          <a:p>
+            <a:pPr marL="0" lvl="0" indent="0" algn="ctr" rtl="0">
+              <a:spcBef>
+                <a:spcPts val="0"/>
+              </a:spcBef>
+              <a:spcAft>
+                <a:spcPts val="0"/>
+              </a:spcAft>
+              <a:buNone/>
+            </a:pPr>
+            <a:r>
+              <a:rPr lang="en" sz="1800" b="1">
+                <a:solidFill>
+                  <a:schemeClr val="dk1"/>
+                </a:solidFill>
+                <a:latin typeface="Raleway"/>
+                <a:ea typeface="Raleway"/>
+                <a:cs typeface="Raleway"/>
+                <a:sym typeface="Raleway"/>
+              </a:rPr>
+              <a:t>02</a:t>
+            </a:r>
+            <a:endParaRPr sz="1800" b="1">
+              <a:solidFill>
+                <a:schemeClr val="dk1"/>
+              </a:solidFill>
+              <a:latin typeface="Raleway"/>
+              <a:ea typeface="Raleway"/>
+              <a:cs typeface="Raleway"/>
+              <a:sym typeface="Raleway"/>
+            </a:endParaRPr>
+          </a:p>
+        </p:txBody>
+      </p:sp>
+      <p:sp>
+        <p:nvSpPr>
+          <p:cNvPr id="502" name="Google Shape;502;p31">
+            <a:hlinkClick r:id="" action="ppaction://noaction"/>
+          </p:cNvPr>
+          <p:cNvSpPr/>
+          <p:nvPr/>
+        </p:nvSpPr>
+        <p:spPr>
+          <a:xfrm>
+            <a:off x="125400" y="2738713"/>
+            <a:ext cx="507900" cy="230100"/>
+          </a:xfrm>
+          <a:prstGeom prst="rect">
+            <a:avLst/>
+          </a:prstGeom>
+          <a:noFill/>
+          <a:ln>
+            <a:noFill/>
+          </a:ln>
+        </p:spPr>
+        <p:txBody>
+          <a:bodyPr spcFirstLastPara="1" wrap="square" lIns="0" tIns="91425" rIns="0" bIns="91425" anchor="ctr" anchorCtr="0">
+            <a:noAutofit/>
+          </a:bodyPr>
+          <a:lstStyle/>
+          <a:p>
+            <a:pPr marL="0" lvl="0" indent="0" algn="ctr" rtl="0">
+              <a:spcBef>
+                <a:spcPts val="0"/>
+              </a:spcBef>
+              <a:spcAft>
+                <a:spcPts val="0"/>
+              </a:spcAft>
+              <a:buNone/>
+            </a:pPr>
+            <a:r>
+              <a:rPr lang="en" sz="1800" b="1">
+                <a:solidFill>
+                  <a:schemeClr val="dk1"/>
+                </a:solidFill>
+                <a:latin typeface="Raleway"/>
+                <a:ea typeface="Raleway"/>
+                <a:cs typeface="Raleway"/>
+                <a:sym typeface="Raleway"/>
+              </a:rPr>
+              <a:t>03</a:t>
+            </a:r>
+            <a:endParaRPr sz="1800" b="1">
+              <a:solidFill>
+                <a:schemeClr val="dk1"/>
+              </a:solidFill>
+              <a:latin typeface="Raleway"/>
+              <a:ea typeface="Raleway"/>
+              <a:cs typeface="Raleway"/>
+              <a:sym typeface="Raleway"/>
+            </a:endParaRPr>
+          </a:p>
+        </p:txBody>
+      </p:sp>
+      <p:sp>
+        <p:nvSpPr>
+          <p:cNvPr id="503" name="Google Shape;503;p31">
+            <a:hlinkClick r:id="" action="ppaction://noaction"/>
+          </p:cNvPr>
+          <p:cNvSpPr/>
+          <p:nvPr/>
+        </p:nvSpPr>
+        <p:spPr>
+          <a:xfrm>
+            <a:off x="125400" y="3251288"/>
+            <a:ext cx="507900" cy="230100"/>
+          </a:xfrm>
+          <a:prstGeom prst="rect">
+            <a:avLst/>
+          </a:prstGeom>
+          <a:noFill/>
+          <a:ln>
+            <a:noFill/>
+          </a:ln>
+        </p:spPr>
+        <p:txBody>
+          <a:bodyPr spcFirstLastPara="1" wrap="square" lIns="0" tIns="91425" rIns="0" bIns="91425" anchor="ctr" anchorCtr="0">
+            <a:noAutofit/>
+          </a:bodyPr>
+          <a:lstStyle/>
+          <a:p>
+            <a:pPr marL="0" lvl="0" indent="0" algn="ctr" rtl="0">
+              <a:spcBef>
+                <a:spcPts val="0"/>
+              </a:spcBef>
+              <a:spcAft>
+                <a:spcPts val="0"/>
+              </a:spcAft>
+              <a:buNone/>
+            </a:pPr>
+            <a:r>
+              <a:rPr lang="en" sz="1800" b="1">
+                <a:solidFill>
+                  <a:schemeClr val="dk1"/>
+                </a:solidFill>
+                <a:latin typeface="Raleway"/>
+                <a:ea typeface="Raleway"/>
+                <a:cs typeface="Raleway"/>
+                <a:sym typeface="Raleway"/>
+              </a:rPr>
+              <a:t>04</a:t>
+            </a:r>
+            <a:endParaRPr sz="1800" b="1">
+              <a:solidFill>
+                <a:schemeClr val="dk1"/>
+              </a:solidFill>
+              <a:latin typeface="Raleway"/>
+              <a:ea typeface="Raleway"/>
+              <a:cs typeface="Raleway"/>
+              <a:sym typeface="Raleway"/>
+            </a:endParaRPr>
+          </a:p>
+        </p:txBody>
+      </p:sp>
+    </p:spTree>
   </p:cSld>
   <p:clrMapOvr>
     <a:masterClrMapping/>
